--- a/mood.pptx
+++ b/mood.pptx
@@ -8,7 +8,7 @@
     <p:sldId id="256" r:id="rId2"/>
   </p:sldIdLst>
   <p:sldSz cx="15119350" cy="10691813"/>
-  <p:notesSz cx="6858000" cy="9144000"/>
+  <p:notesSz cx="9926638" cy="14355763"/>
   <p:defaultTextStyle>
     <a:defPPr>
       <a:defRPr lang="en-US"/>
@@ -104,6 +104,11 @@
       </a:defRPr>
     </a:lvl9pPr>
   </p:defaultTextStyle>
+  <p:extLst>
+    <p:ext uri="{EFAFB233-063F-42B5-8137-9DF3F51BA10A}">
+      <p15:sldGuideLst xmlns:p15="http://schemas.microsoft.com/office/powerpoint/2012/main"/>
+    </p:ext>
+  </p:extLst>
 </p:presentation>
 </file>
 
@@ -238,7 +243,7 @@
           <a:p>
             <a:fld id="{072E6D5D-A9F7-45F7-8DED-12E956074900}" type="datetimeFigureOut">
               <a:rPr lang="en-NZ" smtClean="0"/>
-              <a:t>19/02/2019</a:t>
+              <a:t>18/03/2019</a:t>
             </a:fld>
             <a:endParaRPr lang="en-NZ"/>
           </a:p>
@@ -408,7 +413,7 @@
           <a:p>
             <a:fld id="{072E6D5D-A9F7-45F7-8DED-12E956074900}" type="datetimeFigureOut">
               <a:rPr lang="en-NZ" smtClean="0"/>
-              <a:t>19/02/2019</a:t>
+              <a:t>18/03/2019</a:t>
             </a:fld>
             <a:endParaRPr lang="en-NZ"/>
           </a:p>
@@ -588,7 +593,7 @@
           <a:p>
             <a:fld id="{072E6D5D-A9F7-45F7-8DED-12E956074900}" type="datetimeFigureOut">
               <a:rPr lang="en-NZ" smtClean="0"/>
-              <a:t>19/02/2019</a:t>
+              <a:t>18/03/2019</a:t>
             </a:fld>
             <a:endParaRPr lang="en-NZ"/>
           </a:p>
@@ -758,7 +763,7 @@
           <a:p>
             <a:fld id="{072E6D5D-A9F7-45F7-8DED-12E956074900}" type="datetimeFigureOut">
               <a:rPr lang="en-NZ" smtClean="0"/>
-              <a:t>19/02/2019</a:t>
+              <a:t>18/03/2019</a:t>
             </a:fld>
             <a:endParaRPr lang="en-NZ"/>
           </a:p>
@@ -1002,7 +1007,7 @@
           <a:p>
             <a:fld id="{072E6D5D-A9F7-45F7-8DED-12E956074900}" type="datetimeFigureOut">
               <a:rPr lang="en-NZ" smtClean="0"/>
-              <a:t>19/02/2019</a:t>
+              <a:t>18/03/2019</a:t>
             </a:fld>
             <a:endParaRPr lang="en-NZ"/>
           </a:p>
@@ -1234,7 +1239,7 @@
           <a:p>
             <a:fld id="{072E6D5D-A9F7-45F7-8DED-12E956074900}" type="datetimeFigureOut">
               <a:rPr lang="en-NZ" smtClean="0"/>
-              <a:t>19/02/2019</a:t>
+              <a:t>18/03/2019</a:t>
             </a:fld>
             <a:endParaRPr lang="en-NZ"/>
           </a:p>
@@ -1601,7 +1606,7 @@
           <a:p>
             <a:fld id="{072E6D5D-A9F7-45F7-8DED-12E956074900}" type="datetimeFigureOut">
               <a:rPr lang="en-NZ" smtClean="0"/>
-              <a:t>19/02/2019</a:t>
+              <a:t>18/03/2019</a:t>
             </a:fld>
             <a:endParaRPr lang="en-NZ"/>
           </a:p>
@@ -1719,7 +1724,7 @@
           <a:p>
             <a:fld id="{072E6D5D-A9F7-45F7-8DED-12E956074900}" type="datetimeFigureOut">
               <a:rPr lang="en-NZ" smtClean="0"/>
-              <a:t>19/02/2019</a:t>
+              <a:t>18/03/2019</a:t>
             </a:fld>
             <a:endParaRPr lang="en-NZ"/>
           </a:p>
@@ -1814,7 +1819,7 @@
           <a:p>
             <a:fld id="{072E6D5D-A9F7-45F7-8DED-12E956074900}" type="datetimeFigureOut">
               <a:rPr lang="en-NZ" smtClean="0"/>
-              <a:t>19/02/2019</a:t>
+              <a:t>18/03/2019</a:t>
             </a:fld>
             <a:endParaRPr lang="en-NZ"/>
           </a:p>
@@ -2091,7 +2096,7 @@
           <a:p>
             <a:fld id="{072E6D5D-A9F7-45F7-8DED-12E956074900}" type="datetimeFigureOut">
               <a:rPr lang="en-NZ" smtClean="0"/>
-              <a:t>19/02/2019</a:t>
+              <a:t>18/03/2019</a:t>
             </a:fld>
             <a:endParaRPr lang="en-NZ"/>
           </a:p>
@@ -2348,7 +2353,7 @@
           <a:p>
             <a:fld id="{072E6D5D-A9F7-45F7-8DED-12E956074900}" type="datetimeFigureOut">
               <a:rPr lang="en-NZ" smtClean="0"/>
-              <a:t>19/02/2019</a:t>
+              <a:t>18/03/2019</a:t>
             </a:fld>
             <a:endParaRPr lang="en-NZ"/>
           </a:p>
@@ -2561,7 +2566,7 @@
           <a:p>
             <a:fld id="{072E6D5D-A9F7-45F7-8DED-12E956074900}" type="datetimeFigureOut">
               <a:rPr lang="en-NZ" smtClean="0"/>
-              <a:t>19/02/2019</a:t>
+              <a:t>18/03/2019</a:t>
             </a:fld>
             <a:endParaRPr lang="en-NZ"/>
           </a:p>
@@ -2980,8 +2985,8 @@
         </p:nvSpPr>
         <p:spPr>
           <a:xfrm>
-            <a:off x="5971662" y="174852"/>
-            <a:ext cx="3176026" cy="764184"/>
+            <a:off x="5747657" y="174852"/>
+            <a:ext cx="3400031" cy="764184"/>
           </a:xfrm>
           <a:prstGeom prst="rect">
             <a:avLst/>
@@ -2995,482 +3000,14 @@
           <a:lstStyle/>
           <a:p>
             <a:r>
-              <a:rPr lang="en-NZ" sz="4366" dirty="0"/>
-              <a:t>illustr8.co.nz</a:t>
-            </a:r>
-          </a:p>
-        </p:txBody>
-      </p:sp>
-      <p:grpSp>
-        <p:nvGrpSpPr>
-          <p:cNvPr id="8" name="Graphic 6">
-            <a:extLst>
-              <a:ext uri="{FF2B5EF4-FFF2-40B4-BE49-F238E27FC236}">
-                <a16:creationId xmlns:a16="http://schemas.microsoft.com/office/drawing/2014/main" id="{6F9BE47A-4787-46C6-8929-7C3B2119F6ED}"/>
-              </a:ext>
-            </a:extLst>
-          </p:cNvPr>
-          <p:cNvGrpSpPr>
-            <a:grpSpLocks noChangeAspect="1"/>
-          </p:cNvGrpSpPr>
-          <p:nvPr/>
-        </p:nvGrpSpPr>
-        <p:grpSpPr>
-          <a:xfrm>
-            <a:off x="-195761" y="556945"/>
-            <a:ext cx="4540648" cy="3612408"/>
-            <a:chOff x="665390" y="939036"/>
-            <a:chExt cx="5306272" cy="3979704"/>
-          </a:xfrm>
-        </p:grpSpPr>
-        <p:sp>
-          <p:nvSpPr>
-            <p:cNvPr id="9" name="Freeform: Shape 8">
-              <a:extLst>
-                <a:ext uri="{FF2B5EF4-FFF2-40B4-BE49-F238E27FC236}">
-                  <a16:creationId xmlns:a16="http://schemas.microsoft.com/office/drawing/2014/main" id="{77CA0102-F6D4-41D3-97D2-424A2868AAF0}"/>
-                </a:ext>
-              </a:extLst>
-            </p:cNvPr>
-            <p:cNvSpPr/>
-            <p:nvPr/>
-          </p:nvSpPr>
-          <p:spPr>
-            <a:xfrm>
-              <a:off x="901644" y="1164926"/>
-              <a:ext cx="932743" cy="3269783"/>
-            </a:xfrm>
-            <a:custGeom>
-              <a:avLst/>
-              <a:gdLst>
-                <a:gd name="connsiteX0" fmla="*/ 2114 w 932743"/>
-                <a:gd name="connsiteY0" fmla="*/ 2114 h 3269782"/>
-                <a:gd name="connsiteX1" fmla="*/ 934857 w 932743"/>
-                <a:gd name="connsiteY1" fmla="*/ 2114 h 3269782"/>
-                <a:gd name="connsiteX2" fmla="*/ 934857 w 932743"/>
-                <a:gd name="connsiteY2" fmla="*/ 3271897 h 3269782"/>
-                <a:gd name="connsiteX3" fmla="*/ 2114 w 932743"/>
-                <a:gd name="connsiteY3" fmla="*/ 3271897 h 3269782"/>
-              </a:gdLst>
-              <a:ahLst/>
-              <a:cxnLst>
-                <a:cxn ang="0">
-                  <a:pos x="connsiteX0" y="connsiteY0"/>
-                </a:cxn>
-                <a:cxn ang="0">
-                  <a:pos x="connsiteX1" y="connsiteY1"/>
-                </a:cxn>
-                <a:cxn ang="0">
-                  <a:pos x="connsiteX2" y="connsiteY2"/>
-                </a:cxn>
-                <a:cxn ang="0">
-                  <a:pos x="connsiteX3" y="connsiteY3"/>
-                </a:cxn>
-              </a:cxnLst>
-              <a:rect l="l" t="t" r="r" b="b"/>
-              <a:pathLst>
-                <a:path w="932743" h="3269782">
-                  <a:moveTo>
-                    <a:pt x="2114" y="2114"/>
-                  </a:moveTo>
-                  <a:lnTo>
-                    <a:pt x="934857" y="2114"/>
-                  </a:lnTo>
-                  <a:lnTo>
-                    <a:pt x="934857" y="3271897"/>
-                  </a:lnTo>
-                  <a:lnTo>
-                    <a:pt x="2114" y="3271897"/>
-                  </a:lnTo>
-                  <a:close/>
-                </a:path>
-              </a:pathLst>
-            </a:custGeom>
-            <a:solidFill>
-              <a:srgbClr val="717C89"/>
-            </a:solidFill>
-            <a:ln w="5181" cap="flat">
-              <a:noFill/>
-              <a:prstDash val="solid"/>
-              <a:miter/>
-            </a:ln>
-          </p:spPr>
-          <p:txBody>
-            <a:bodyPr rtlCol="0" anchor="ctr"/>
-            <a:lstStyle/>
-            <a:p>
-              <a:endParaRPr lang="en-NZ"/>
-            </a:p>
-          </p:txBody>
-        </p:sp>
-        <p:sp>
-          <p:nvSpPr>
-            <p:cNvPr id="10" name="Freeform: Shape 9">
-              <a:extLst>
-                <a:ext uri="{FF2B5EF4-FFF2-40B4-BE49-F238E27FC236}">
-                  <a16:creationId xmlns:a16="http://schemas.microsoft.com/office/drawing/2014/main" id="{6FBA68FD-340F-4EAA-920B-F7D2447E982F}"/>
-                </a:ext>
-              </a:extLst>
-            </p:cNvPr>
-            <p:cNvSpPr/>
-            <p:nvPr/>
-          </p:nvSpPr>
-          <p:spPr>
-            <a:xfrm>
-              <a:off x="1896570" y="1164926"/>
-              <a:ext cx="932743" cy="3269783"/>
-            </a:xfrm>
-            <a:custGeom>
-              <a:avLst/>
-              <a:gdLst>
-                <a:gd name="connsiteX0" fmla="*/ 2114 w 932743"/>
-                <a:gd name="connsiteY0" fmla="*/ 2114 h 3269782"/>
-                <a:gd name="connsiteX1" fmla="*/ 934857 w 932743"/>
-                <a:gd name="connsiteY1" fmla="*/ 2114 h 3269782"/>
-                <a:gd name="connsiteX2" fmla="*/ 934857 w 932743"/>
-                <a:gd name="connsiteY2" fmla="*/ 3271897 h 3269782"/>
-                <a:gd name="connsiteX3" fmla="*/ 2114 w 932743"/>
-                <a:gd name="connsiteY3" fmla="*/ 3271897 h 3269782"/>
-              </a:gdLst>
-              <a:ahLst/>
-              <a:cxnLst>
-                <a:cxn ang="0">
-                  <a:pos x="connsiteX0" y="connsiteY0"/>
-                </a:cxn>
-                <a:cxn ang="0">
-                  <a:pos x="connsiteX1" y="connsiteY1"/>
-                </a:cxn>
-                <a:cxn ang="0">
-                  <a:pos x="connsiteX2" y="connsiteY2"/>
-                </a:cxn>
-                <a:cxn ang="0">
-                  <a:pos x="connsiteX3" y="connsiteY3"/>
-                </a:cxn>
-              </a:cxnLst>
-              <a:rect l="l" t="t" r="r" b="b"/>
-              <a:pathLst>
-                <a:path w="932743" h="3269782">
-                  <a:moveTo>
-                    <a:pt x="2114" y="2114"/>
-                  </a:moveTo>
-                  <a:lnTo>
-                    <a:pt x="934857" y="2114"/>
-                  </a:lnTo>
-                  <a:lnTo>
-                    <a:pt x="934857" y="3271897"/>
-                  </a:lnTo>
-                  <a:lnTo>
-                    <a:pt x="2114" y="3271897"/>
-                  </a:lnTo>
-                  <a:close/>
-                </a:path>
-              </a:pathLst>
-            </a:custGeom>
-            <a:solidFill>
-              <a:srgbClr val="8AA2A9"/>
-            </a:solidFill>
-            <a:ln w="5181" cap="flat">
-              <a:noFill/>
-              <a:prstDash val="solid"/>
-              <a:miter/>
-            </a:ln>
-          </p:spPr>
-          <p:txBody>
-            <a:bodyPr rtlCol="0" anchor="ctr"/>
-            <a:lstStyle/>
-            <a:p>
-              <a:endParaRPr lang="en-NZ"/>
-            </a:p>
-          </p:txBody>
-        </p:sp>
-        <p:sp>
-          <p:nvSpPr>
-            <p:cNvPr id="11" name="Freeform: Shape 10">
-              <a:extLst>
-                <a:ext uri="{FF2B5EF4-FFF2-40B4-BE49-F238E27FC236}">
-                  <a16:creationId xmlns:a16="http://schemas.microsoft.com/office/drawing/2014/main" id="{08BB7027-90E9-4395-B224-43FA4F5B177C}"/>
-                </a:ext>
-              </a:extLst>
-            </p:cNvPr>
-            <p:cNvSpPr/>
-            <p:nvPr/>
-          </p:nvSpPr>
-          <p:spPr>
-            <a:xfrm>
-              <a:off x="2891496" y="1164926"/>
-              <a:ext cx="932743" cy="3269783"/>
-            </a:xfrm>
-            <a:custGeom>
-              <a:avLst/>
-              <a:gdLst>
-                <a:gd name="connsiteX0" fmla="*/ 2114 w 932743"/>
-                <a:gd name="connsiteY0" fmla="*/ 2114 h 3269782"/>
-                <a:gd name="connsiteX1" fmla="*/ 934857 w 932743"/>
-                <a:gd name="connsiteY1" fmla="*/ 2114 h 3269782"/>
-                <a:gd name="connsiteX2" fmla="*/ 934857 w 932743"/>
-                <a:gd name="connsiteY2" fmla="*/ 3271897 h 3269782"/>
-                <a:gd name="connsiteX3" fmla="*/ 2114 w 932743"/>
-                <a:gd name="connsiteY3" fmla="*/ 3271897 h 3269782"/>
-              </a:gdLst>
-              <a:ahLst/>
-              <a:cxnLst>
-                <a:cxn ang="0">
-                  <a:pos x="connsiteX0" y="connsiteY0"/>
-                </a:cxn>
-                <a:cxn ang="0">
-                  <a:pos x="connsiteX1" y="connsiteY1"/>
-                </a:cxn>
-                <a:cxn ang="0">
-                  <a:pos x="connsiteX2" y="connsiteY2"/>
-                </a:cxn>
-                <a:cxn ang="0">
-                  <a:pos x="connsiteX3" y="connsiteY3"/>
-                </a:cxn>
-              </a:cxnLst>
-              <a:rect l="l" t="t" r="r" b="b"/>
-              <a:pathLst>
-                <a:path w="932743" h="3269782">
-                  <a:moveTo>
-                    <a:pt x="2114" y="2114"/>
-                  </a:moveTo>
-                  <a:lnTo>
-                    <a:pt x="934857" y="2114"/>
-                  </a:lnTo>
-                  <a:lnTo>
-                    <a:pt x="934857" y="3271897"/>
-                  </a:lnTo>
-                  <a:lnTo>
-                    <a:pt x="2114" y="3271897"/>
-                  </a:lnTo>
-                  <a:close/>
-                </a:path>
-              </a:pathLst>
-            </a:custGeom>
-            <a:solidFill>
-              <a:srgbClr val="90BAAD"/>
-            </a:solidFill>
-            <a:ln w="5181" cap="flat">
-              <a:noFill/>
-              <a:prstDash val="solid"/>
-              <a:miter/>
-            </a:ln>
-          </p:spPr>
-          <p:txBody>
-            <a:bodyPr rtlCol="0" anchor="ctr"/>
-            <a:lstStyle/>
-            <a:p>
-              <a:endParaRPr lang="en-NZ"/>
-            </a:p>
-          </p:txBody>
-        </p:sp>
-        <p:sp>
-          <p:nvSpPr>
-            <p:cNvPr id="12" name="Freeform: Shape 11">
-              <a:extLst>
-                <a:ext uri="{FF2B5EF4-FFF2-40B4-BE49-F238E27FC236}">
-                  <a16:creationId xmlns:a16="http://schemas.microsoft.com/office/drawing/2014/main" id="{8B6204C6-DA32-414B-977C-10A2FC6DE71F}"/>
-                </a:ext>
-              </a:extLst>
-            </p:cNvPr>
-            <p:cNvSpPr/>
-            <p:nvPr/>
-          </p:nvSpPr>
-          <p:spPr>
-            <a:xfrm>
-              <a:off x="3886422" y="1164926"/>
-              <a:ext cx="932743" cy="3269783"/>
-            </a:xfrm>
-            <a:custGeom>
-              <a:avLst/>
-              <a:gdLst>
-                <a:gd name="connsiteX0" fmla="*/ 2114 w 932743"/>
-                <a:gd name="connsiteY0" fmla="*/ 2114 h 3269782"/>
-                <a:gd name="connsiteX1" fmla="*/ 934857 w 932743"/>
-                <a:gd name="connsiteY1" fmla="*/ 2114 h 3269782"/>
-                <a:gd name="connsiteX2" fmla="*/ 934857 w 932743"/>
-                <a:gd name="connsiteY2" fmla="*/ 3271897 h 3269782"/>
-                <a:gd name="connsiteX3" fmla="*/ 2114 w 932743"/>
-                <a:gd name="connsiteY3" fmla="*/ 3271897 h 3269782"/>
-              </a:gdLst>
-              <a:ahLst/>
-              <a:cxnLst>
-                <a:cxn ang="0">
-                  <a:pos x="connsiteX0" y="connsiteY0"/>
-                </a:cxn>
-                <a:cxn ang="0">
-                  <a:pos x="connsiteX1" y="connsiteY1"/>
-                </a:cxn>
-                <a:cxn ang="0">
-                  <a:pos x="connsiteX2" y="connsiteY2"/>
-                </a:cxn>
-                <a:cxn ang="0">
-                  <a:pos x="connsiteX3" y="connsiteY3"/>
-                </a:cxn>
-              </a:cxnLst>
-              <a:rect l="l" t="t" r="r" b="b"/>
-              <a:pathLst>
-                <a:path w="932743" h="3269782">
-                  <a:moveTo>
-                    <a:pt x="2114" y="2114"/>
-                  </a:moveTo>
-                  <a:lnTo>
-                    <a:pt x="934857" y="2114"/>
-                  </a:lnTo>
-                  <a:lnTo>
-                    <a:pt x="934857" y="3271897"/>
-                  </a:lnTo>
-                  <a:lnTo>
-                    <a:pt x="2114" y="3271897"/>
-                  </a:lnTo>
-                  <a:close/>
-                </a:path>
-              </a:pathLst>
-            </a:custGeom>
-            <a:solidFill>
-              <a:srgbClr val="A1E5AB"/>
-            </a:solidFill>
-            <a:ln w="5181" cap="flat">
-              <a:noFill/>
-              <a:prstDash val="solid"/>
-              <a:miter/>
-            </a:ln>
-          </p:spPr>
-          <p:txBody>
-            <a:bodyPr rtlCol="0" anchor="ctr"/>
-            <a:lstStyle/>
-            <a:p>
-              <a:endParaRPr lang="en-NZ"/>
-            </a:p>
-          </p:txBody>
-        </p:sp>
-        <p:sp>
-          <p:nvSpPr>
-            <p:cNvPr id="13" name="Freeform: Shape 12">
-              <a:extLst>
-                <a:ext uri="{FF2B5EF4-FFF2-40B4-BE49-F238E27FC236}">
-                  <a16:creationId xmlns:a16="http://schemas.microsoft.com/office/drawing/2014/main" id="{33B60A99-C84D-4EB4-89CB-2A095E2F6F7E}"/>
-                </a:ext>
-              </a:extLst>
-            </p:cNvPr>
-            <p:cNvSpPr/>
-            <p:nvPr/>
-          </p:nvSpPr>
-          <p:spPr>
-            <a:xfrm>
-              <a:off x="4881348" y="1164926"/>
-              <a:ext cx="932743" cy="3269783"/>
-            </a:xfrm>
-            <a:custGeom>
-              <a:avLst/>
-              <a:gdLst>
-                <a:gd name="connsiteX0" fmla="*/ 2114 w 932743"/>
-                <a:gd name="connsiteY0" fmla="*/ 2114 h 3269782"/>
-                <a:gd name="connsiteX1" fmla="*/ 934857 w 932743"/>
-                <a:gd name="connsiteY1" fmla="*/ 2114 h 3269782"/>
-                <a:gd name="connsiteX2" fmla="*/ 934857 w 932743"/>
-                <a:gd name="connsiteY2" fmla="*/ 3271897 h 3269782"/>
-                <a:gd name="connsiteX3" fmla="*/ 2114 w 932743"/>
-                <a:gd name="connsiteY3" fmla="*/ 3271897 h 3269782"/>
-              </a:gdLst>
-              <a:ahLst/>
-              <a:cxnLst>
-                <a:cxn ang="0">
-                  <a:pos x="connsiteX0" y="connsiteY0"/>
-                </a:cxn>
-                <a:cxn ang="0">
-                  <a:pos x="connsiteX1" y="connsiteY1"/>
-                </a:cxn>
-                <a:cxn ang="0">
-                  <a:pos x="connsiteX2" y="connsiteY2"/>
-                </a:cxn>
-                <a:cxn ang="0">
-                  <a:pos x="connsiteX3" y="connsiteY3"/>
-                </a:cxn>
-              </a:cxnLst>
-              <a:rect l="l" t="t" r="r" b="b"/>
-              <a:pathLst>
-                <a:path w="932743" h="3269782">
-                  <a:moveTo>
-                    <a:pt x="2114" y="2114"/>
-                  </a:moveTo>
-                  <a:lnTo>
-                    <a:pt x="934857" y="2114"/>
-                  </a:lnTo>
-                  <a:lnTo>
-                    <a:pt x="934857" y="3271897"/>
-                  </a:lnTo>
-                  <a:lnTo>
-                    <a:pt x="2114" y="3271897"/>
-                  </a:lnTo>
-                  <a:close/>
-                </a:path>
-              </a:pathLst>
-            </a:custGeom>
-            <a:solidFill>
-              <a:srgbClr val="ADF6B1"/>
-            </a:solidFill>
-            <a:ln w="5181" cap="flat">
-              <a:noFill/>
-              <a:prstDash val="solid"/>
-              <a:miter/>
-            </a:ln>
-          </p:spPr>
-          <p:txBody>
-            <a:bodyPr rtlCol="0" anchor="ctr"/>
-            <a:lstStyle/>
-            <a:p>
-              <a:endParaRPr lang="en-NZ"/>
-            </a:p>
-          </p:txBody>
-        </p:sp>
-      </p:grpSp>
-      <p:pic>
-        <p:nvPicPr>
-          <p:cNvPr id="1028" name="Picture 4" descr="http://www.illustr8.co.nz/Images/old-man-home.jpg">
-            <a:extLst>
-              <a:ext uri="{FF2B5EF4-FFF2-40B4-BE49-F238E27FC236}">
-                <a16:creationId xmlns:a16="http://schemas.microsoft.com/office/drawing/2014/main" id="{C4904CFF-B270-4621-AFDC-2B929F3DE542}"/>
-              </a:ext>
-            </a:extLst>
-          </p:cNvPr>
-          <p:cNvPicPr>
-            <a:picLocks noChangeAspect="1" noChangeArrowheads="1"/>
-          </p:cNvPicPr>
-          <p:nvPr/>
-        </p:nvPicPr>
-        <p:blipFill>
-          <a:blip r:embed="rId2">
-            <a:extLst>
-              <a:ext uri="{28A0092B-C50C-407E-A947-70E740481C1C}">
-                <a14:useLocalDpi xmlns:a14="http://schemas.microsoft.com/office/drawing/2010/main" val="0"/>
-              </a:ext>
-            </a:extLst>
-          </a:blip>
-          <a:srcRect/>
-          <a:stretch>
-            <a:fillRect/>
-          </a:stretch>
-        </p:blipFill>
-        <p:spPr bwMode="auto">
-          <a:xfrm>
-            <a:off x="12206700" y="454747"/>
-            <a:ext cx="2305050" cy="2171700"/>
-          </a:xfrm>
-          <a:prstGeom prst="rect">
-            <a:avLst/>
-          </a:prstGeom>
-          <a:noFill/>
-          <a:extLst>
-            <a:ext uri="{909E8E84-426E-40DD-AFC4-6F175D3DCCD1}">
-              <a14:hiddenFill xmlns:a14="http://schemas.microsoft.com/office/drawing/2010/main">
-                <a:solidFill>
-                  <a:srgbClr val="FFFFFF"/>
-                </a:solidFill>
-              </a14:hiddenFill>
-            </a:ext>
-          </a:extLst>
-        </p:spPr>
-      </p:pic>
+              <a:rPr lang="en-NZ" sz="4366" dirty="0">
+                <a:latin typeface="Play" panose="00000500000000000000" pitchFamily="2" charset="0"/>
+              </a:rPr>
+              <a:t>Illustr8.co.nz</a:t>
+            </a:r>
+          </a:p>
+        </p:txBody>
+      </p:sp>
       <p:sp>
         <p:nvSpPr>
           <p:cNvPr id="14" name="TextBox 13">
@@ -3508,240 +3045,6 @@
       </p:sp>
       <p:sp>
         <p:nvSpPr>
-          <p:cNvPr id="15" name="TextBox 14">
-            <a:extLst>
-              <a:ext uri="{FF2B5EF4-FFF2-40B4-BE49-F238E27FC236}">
-                <a16:creationId xmlns:a16="http://schemas.microsoft.com/office/drawing/2014/main" id="{F0A25114-5F05-4634-A467-3AE487D1D0FE}"/>
-              </a:ext>
-            </a:extLst>
-          </p:cNvPr>
-          <p:cNvSpPr txBox="1"/>
-          <p:nvPr/>
-        </p:nvSpPr>
-        <p:spPr>
-          <a:xfrm>
-            <a:off x="13125719" y="2626447"/>
-            <a:ext cx="834121" cy="369332"/>
-          </a:xfrm>
-          <a:prstGeom prst="rect">
-            <a:avLst/>
-          </a:prstGeom>
-          <a:noFill/>
-        </p:spPr>
-        <p:txBody>
-          <a:bodyPr wrap="square" rtlCol="0">
-            <a:spAutoFit/>
-          </a:bodyPr>
-          <a:lstStyle/>
-          <a:p>
-            <a:r>
-              <a:rPr lang="en-NZ" dirty="0"/>
-              <a:t>HOME</a:t>
-            </a:r>
-          </a:p>
-        </p:txBody>
-      </p:sp>
-      <p:grpSp>
-        <p:nvGrpSpPr>
-          <p:cNvPr id="17" name="Group 16">
-            <a:extLst>
-              <a:ext uri="{FF2B5EF4-FFF2-40B4-BE49-F238E27FC236}">
-                <a16:creationId xmlns:a16="http://schemas.microsoft.com/office/drawing/2014/main" id="{F2062246-FD30-4270-9769-6C4472B6494A}"/>
-              </a:ext>
-            </a:extLst>
-          </p:cNvPr>
-          <p:cNvGrpSpPr/>
-          <p:nvPr/>
-        </p:nvGrpSpPr>
-        <p:grpSpPr>
-          <a:xfrm>
-            <a:off x="10072274" y="588260"/>
-            <a:ext cx="1808480" cy="3072710"/>
-            <a:chOff x="9981835" y="2569059"/>
-            <a:chExt cx="1808480" cy="3072710"/>
-          </a:xfrm>
-          <a:solidFill>
-            <a:srgbClr val="ADF6B1"/>
-          </a:solidFill>
-        </p:grpSpPr>
-        <p:sp>
-          <p:nvSpPr>
-            <p:cNvPr id="19" name="Rectangle: Rounded Corners 18">
-              <a:extLst>
-                <a:ext uri="{FF2B5EF4-FFF2-40B4-BE49-F238E27FC236}">
-                  <a16:creationId xmlns:a16="http://schemas.microsoft.com/office/drawing/2014/main" id="{C7F7DFDA-072F-4D04-A2B0-82C83BD19E97}"/>
-                </a:ext>
-              </a:extLst>
-            </p:cNvPr>
-            <p:cNvSpPr/>
-            <p:nvPr/>
-          </p:nvSpPr>
-          <p:spPr>
-            <a:xfrm>
-              <a:off x="9981835" y="2569059"/>
-              <a:ext cx="1808480" cy="853440"/>
-            </a:xfrm>
-            <a:prstGeom prst="roundRect">
-              <a:avLst>
-                <a:gd name="adj" fmla="val 28572"/>
-              </a:avLst>
-            </a:prstGeom>
-            <a:solidFill>
-              <a:srgbClr val="90BAAD"/>
-            </a:solidFill>
-            <a:ln>
-              <a:noFill/>
-            </a:ln>
-          </p:spPr>
-          <p:style>
-            <a:lnRef idx="2">
-              <a:schemeClr val="accent1">
-                <a:shade val="50000"/>
-              </a:schemeClr>
-            </a:lnRef>
-            <a:fillRef idx="1">
-              <a:schemeClr val="accent1"/>
-            </a:fillRef>
-            <a:effectRef idx="0">
-              <a:schemeClr val="accent1"/>
-            </a:effectRef>
-            <a:fontRef idx="minor">
-              <a:schemeClr val="lt1"/>
-            </a:fontRef>
-          </p:style>
-          <p:txBody>
-            <a:bodyPr rtlCol="0" anchor="ctr"/>
-            <a:lstStyle/>
-            <a:p>
-              <a:pPr algn="ctr"/>
-              <a:r>
-                <a:rPr lang="en-NZ" dirty="0"/>
-                <a:t>Button</a:t>
-              </a:r>
-            </a:p>
-          </p:txBody>
-        </p:sp>
-        <p:sp>
-          <p:nvSpPr>
-            <p:cNvPr id="20" name="Rectangle: Rounded Corners 19">
-              <a:extLst>
-                <a:ext uri="{FF2B5EF4-FFF2-40B4-BE49-F238E27FC236}">
-                  <a16:creationId xmlns:a16="http://schemas.microsoft.com/office/drawing/2014/main" id="{3EE6A8D5-D8C5-4FE9-8403-D4F9EFBB3A87}"/>
-                </a:ext>
-              </a:extLst>
-            </p:cNvPr>
-            <p:cNvSpPr/>
-            <p:nvPr/>
-          </p:nvSpPr>
-          <p:spPr>
-            <a:xfrm>
-              <a:off x="9981835" y="3678694"/>
-              <a:ext cx="1808480" cy="853440"/>
-            </a:xfrm>
-            <a:prstGeom prst="roundRect">
-              <a:avLst>
-                <a:gd name="adj" fmla="val 28572"/>
-              </a:avLst>
-            </a:prstGeom>
-            <a:solidFill>
-              <a:srgbClr val="76998E"/>
-            </a:solidFill>
-            <a:ln>
-              <a:noFill/>
-            </a:ln>
-          </p:spPr>
-          <p:style>
-            <a:lnRef idx="2">
-              <a:schemeClr val="accent1">
-                <a:shade val="50000"/>
-              </a:schemeClr>
-            </a:lnRef>
-            <a:fillRef idx="1">
-              <a:schemeClr val="accent1"/>
-            </a:fillRef>
-            <a:effectRef idx="0">
-              <a:schemeClr val="accent1"/>
-            </a:effectRef>
-            <a:fontRef idx="minor">
-              <a:schemeClr val="lt1"/>
-            </a:fontRef>
-          </p:style>
-          <p:txBody>
-            <a:bodyPr rtlCol="0" anchor="ctr"/>
-            <a:lstStyle/>
-            <a:p>
-              <a:pPr algn="ctr"/>
-              <a:r>
-                <a:rPr lang="en-NZ" dirty="0">
-                  <a:solidFill>
-                    <a:schemeClr val="bg1"/>
-                  </a:solidFill>
-                </a:rPr>
-                <a:t>Button Hover</a:t>
-              </a:r>
-            </a:p>
-          </p:txBody>
-        </p:sp>
-        <p:sp>
-          <p:nvSpPr>
-            <p:cNvPr id="21" name="Rectangle: Rounded Corners 20">
-              <a:extLst>
-                <a:ext uri="{FF2B5EF4-FFF2-40B4-BE49-F238E27FC236}">
-                  <a16:creationId xmlns:a16="http://schemas.microsoft.com/office/drawing/2014/main" id="{6592F83D-ECF7-449F-A3F5-E891075933FA}"/>
-                </a:ext>
-              </a:extLst>
-            </p:cNvPr>
-            <p:cNvSpPr/>
-            <p:nvPr/>
-          </p:nvSpPr>
-          <p:spPr>
-            <a:xfrm>
-              <a:off x="9981835" y="4788329"/>
-              <a:ext cx="1808480" cy="853440"/>
-            </a:xfrm>
-            <a:prstGeom prst="roundRect">
-              <a:avLst>
-                <a:gd name="adj" fmla="val 28572"/>
-              </a:avLst>
-            </a:prstGeom>
-            <a:solidFill>
-              <a:srgbClr val="5C776F"/>
-            </a:solidFill>
-            <a:ln>
-              <a:noFill/>
-            </a:ln>
-          </p:spPr>
-          <p:style>
-            <a:lnRef idx="2">
-              <a:schemeClr val="accent1">
-                <a:shade val="50000"/>
-              </a:schemeClr>
-            </a:lnRef>
-            <a:fillRef idx="1">
-              <a:schemeClr val="accent1"/>
-            </a:fillRef>
-            <a:effectRef idx="0">
-              <a:schemeClr val="accent1"/>
-            </a:effectRef>
-            <a:fontRef idx="minor">
-              <a:schemeClr val="lt1"/>
-            </a:fontRef>
-          </p:style>
-          <p:txBody>
-            <a:bodyPr rtlCol="0" anchor="ctr"/>
-            <a:lstStyle/>
-            <a:p>
-              <a:pPr algn="ctr"/>
-              <a:r>
-                <a:rPr lang="en-NZ" dirty="0"/>
-                <a:t>Button Click</a:t>
-              </a:r>
-            </a:p>
-          </p:txBody>
-        </p:sp>
-      </p:grpSp>
-      <p:sp>
-        <p:nvSpPr>
           <p:cNvPr id="24" name="TextBox 23">
             <a:extLst>
               <a:ext uri="{FF2B5EF4-FFF2-40B4-BE49-F238E27FC236}">
@@ -3806,9 +3109,9 @@
             <a:r>
               <a:rPr lang="en-NZ" sz="3200" b="1" dirty="0">
                 <a:solidFill>
-                  <a:srgbClr val="A1E5AB"/>
-                </a:solidFill>
-                <a:latin typeface="Aharoni" panose="020B0604020202020204" pitchFamily="2" charset="-79"/>
+                  <a:srgbClr val="252627"/>
+                </a:solidFill>
+                <a:latin typeface="Play" panose="00000500000000000000" pitchFamily="2" charset="0"/>
                 <a:cs typeface="Aharoni" panose="020B0604020202020204" pitchFamily="2" charset="-79"/>
               </a:rPr>
               <a:t>This is a Header</a:t>
@@ -3849,21 +3152,7 @@
                 <a:latin typeface="Univers" panose="020B0604020202020204" pitchFamily="34" charset="0"/>
                 <a:cs typeface="Aharoni" panose="02010803020104030203" pitchFamily="2" charset="-79"/>
               </a:rPr>
-              <a:t>Font: </a:t>
-            </a:r>
-            <a:r>
-              <a:rPr lang="en-NZ" sz="1400" dirty="0" err="1">
-                <a:latin typeface="Univers" panose="020B0604020202020204" pitchFamily="34" charset="0"/>
-                <a:cs typeface="Aharoni" panose="02010803020104030203" pitchFamily="2" charset="-79"/>
-              </a:rPr>
-              <a:t>Univers</a:t>
-            </a:r>
-            <a:r>
-              <a:rPr lang="en-NZ" sz="1400" dirty="0">
-                <a:latin typeface="Univers" panose="020B0604020202020204" pitchFamily="34" charset="0"/>
-                <a:cs typeface="Aharoni" panose="02010803020104030203" pitchFamily="2" charset="-79"/>
-              </a:rPr>
-              <a:t>, #a1e5ab 24px</a:t>
+              <a:t>Font: Play, #252627 24px</a:t>
             </a:r>
           </a:p>
         </p:txBody>
@@ -3899,8 +3188,9 @@
             <a:r>
               <a:rPr lang="en-NZ" sz="2400" dirty="0">
                 <a:solidFill>
-                  <a:srgbClr val="A1E5AB"/>
-                </a:solidFill>
+                  <a:srgbClr val="252627"/>
+                </a:solidFill>
+                <a:latin typeface="Play" panose="00000500000000000000" pitchFamily="2" charset="0"/>
               </a:rPr>
               <a:t>This is a Sub Header</a:t>
             </a:r>
@@ -3922,7 +3212,7 @@
         <p:spPr>
           <a:xfrm>
             <a:off x="4714928" y="2551335"/>
-            <a:ext cx="4652592" cy="2123658"/>
+            <a:ext cx="4652592" cy="1938992"/>
           </a:xfrm>
           <a:prstGeom prst="rect">
             <a:avLst/>
@@ -3938,1035 +3228,1035 @@
             <a:r>
               <a:rPr lang="en-NZ" sz="1200" b="1" dirty="0">
                 <a:solidFill>
-                  <a:srgbClr val="717C89"/>
-                </a:solidFill>
-                <a:latin typeface="Univers" panose="020B0503020202020204" pitchFamily="34" charset="0"/>
+                  <a:srgbClr val="252627"/>
+                </a:solidFill>
+                <a:latin typeface="Play" panose="00000500000000000000" pitchFamily="2" charset="0"/>
               </a:rPr>
               <a:t>Lorem ipsum </a:t>
             </a:r>
             <a:r>
               <a:rPr lang="en-NZ" sz="1200" b="1" dirty="0" err="1">
                 <a:solidFill>
-                  <a:srgbClr val="717C89"/>
-                </a:solidFill>
-                <a:latin typeface="Univers" panose="020B0503020202020204" pitchFamily="34" charset="0"/>
+                  <a:srgbClr val="252627"/>
+                </a:solidFill>
+                <a:latin typeface="Play" panose="00000500000000000000" pitchFamily="2" charset="0"/>
               </a:rPr>
               <a:t>dolor</a:t>
             </a:r>
             <a:r>
               <a:rPr lang="en-NZ" sz="1200" b="1" dirty="0">
                 <a:solidFill>
-                  <a:srgbClr val="717C89"/>
-                </a:solidFill>
-                <a:latin typeface="Univers" panose="020B0503020202020204" pitchFamily="34" charset="0"/>
+                  <a:srgbClr val="252627"/>
+                </a:solidFill>
+                <a:latin typeface="Play" panose="00000500000000000000" pitchFamily="2" charset="0"/>
               </a:rPr>
               <a:t> sit </a:t>
             </a:r>
             <a:r>
               <a:rPr lang="en-NZ" sz="1200" b="1" dirty="0" err="1">
                 <a:solidFill>
-                  <a:srgbClr val="717C89"/>
-                </a:solidFill>
-                <a:latin typeface="Univers" panose="020B0503020202020204" pitchFamily="34" charset="0"/>
+                  <a:srgbClr val="252627"/>
+                </a:solidFill>
+                <a:latin typeface="Play" panose="00000500000000000000" pitchFamily="2" charset="0"/>
               </a:rPr>
               <a:t>amet</a:t>
             </a:r>
             <a:r>
               <a:rPr lang="en-NZ" sz="1200" b="1" dirty="0">
                 <a:solidFill>
-                  <a:srgbClr val="717C89"/>
-                </a:solidFill>
-                <a:latin typeface="Univers" panose="020B0503020202020204" pitchFamily="34" charset="0"/>
+                  <a:srgbClr val="252627"/>
+                </a:solidFill>
+                <a:latin typeface="Play" panose="00000500000000000000" pitchFamily="2" charset="0"/>
               </a:rPr>
               <a:t>, </a:t>
             </a:r>
             <a:r>
               <a:rPr lang="en-NZ" sz="1200" b="1" dirty="0" err="1">
                 <a:solidFill>
-                  <a:srgbClr val="717C89"/>
-                </a:solidFill>
-                <a:latin typeface="Univers" panose="020B0503020202020204" pitchFamily="34" charset="0"/>
+                  <a:srgbClr val="252627"/>
+                </a:solidFill>
+                <a:latin typeface="Play" panose="00000500000000000000" pitchFamily="2" charset="0"/>
               </a:rPr>
               <a:t>consectetur</a:t>
             </a:r>
             <a:r>
               <a:rPr lang="en-NZ" sz="1200" b="1" dirty="0">
                 <a:solidFill>
-                  <a:srgbClr val="717C89"/>
-                </a:solidFill>
-                <a:latin typeface="Univers" panose="020B0503020202020204" pitchFamily="34" charset="0"/>
+                  <a:srgbClr val="252627"/>
+                </a:solidFill>
+                <a:latin typeface="Play" panose="00000500000000000000" pitchFamily="2" charset="0"/>
               </a:rPr>
               <a:t> </a:t>
             </a:r>
             <a:r>
               <a:rPr lang="en-NZ" sz="1200" b="1" dirty="0" err="1">
                 <a:solidFill>
-                  <a:srgbClr val="717C89"/>
-                </a:solidFill>
-                <a:latin typeface="Univers" panose="020B0503020202020204" pitchFamily="34" charset="0"/>
+                  <a:srgbClr val="252627"/>
+                </a:solidFill>
+                <a:latin typeface="Play" panose="00000500000000000000" pitchFamily="2" charset="0"/>
               </a:rPr>
               <a:t>adipiscing</a:t>
             </a:r>
             <a:r>
               <a:rPr lang="en-NZ" sz="1200" b="1" dirty="0">
                 <a:solidFill>
-                  <a:srgbClr val="717C89"/>
-                </a:solidFill>
-                <a:latin typeface="Univers" panose="020B0503020202020204" pitchFamily="34" charset="0"/>
+                  <a:srgbClr val="252627"/>
+                </a:solidFill>
+                <a:latin typeface="Play" panose="00000500000000000000" pitchFamily="2" charset="0"/>
               </a:rPr>
               <a:t> </a:t>
             </a:r>
             <a:r>
               <a:rPr lang="en-NZ" sz="1200" b="1" dirty="0" err="1">
                 <a:solidFill>
-                  <a:srgbClr val="717C89"/>
-                </a:solidFill>
-                <a:latin typeface="Univers" panose="020B0503020202020204" pitchFamily="34" charset="0"/>
+                  <a:srgbClr val="252627"/>
+                </a:solidFill>
+                <a:latin typeface="Play" panose="00000500000000000000" pitchFamily="2" charset="0"/>
               </a:rPr>
               <a:t>elit</a:t>
             </a:r>
             <a:r>
               <a:rPr lang="en-NZ" sz="1200" b="1" dirty="0">
                 <a:solidFill>
-                  <a:srgbClr val="717C89"/>
-                </a:solidFill>
-                <a:latin typeface="Univers" panose="020B0503020202020204" pitchFamily="34" charset="0"/>
+                  <a:srgbClr val="252627"/>
+                </a:solidFill>
+                <a:latin typeface="Play" panose="00000500000000000000" pitchFamily="2" charset="0"/>
               </a:rPr>
               <a:t>. </a:t>
             </a:r>
             <a:r>
               <a:rPr lang="en-NZ" sz="1200" b="1" dirty="0" err="1">
                 <a:solidFill>
-                  <a:srgbClr val="717C89"/>
-                </a:solidFill>
-                <a:latin typeface="Univers" panose="020B0503020202020204" pitchFamily="34" charset="0"/>
+                  <a:srgbClr val="252627"/>
+                </a:solidFill>
+                <a:latin typeface="Play" panose="00000500000000000000" pitchFamily="2" charset="0"/>
               </a:rPr>
               <a:t>Nulla</a:t>
             </a:r>
             <a:r>
               <a:rPr lang="en-NZ" sz="1200" b="1" dirty="0">
                 <a:solidFill>
-                  <a:srgbClr val="717C89"/>
-                </a:solidFill>
-                <a:latin typeface="Univers" panose="020B0503020202020204" pitchFamily="34" charset="0"/>
+                  <a:srgbClr val="252627"/>
+                </a:solidFill>
+                <a:latin typeface="Play" panose="00000500000000000000" pitchFamily="2" charset="0"/>
               </a:rPr>
               <a:t> </a:t>
             </a:r>
             <a:r>
               <a:rPr lang="en-NZ" sz="1200" b="1" dirty="0" err="1">
                 <a:solidFill>
-                  <a:srgbClr val="717C89"/>
-                </a:solidFill>
-                <a:latin typeface="Univers" panose="020B0503020202020204" pitchFamily="34" charset="0"/>
+                  <a:srgbClr val="252627"/>
+                </a:solidFill>
+                <a:latin typeface="Play" panose="00000500000000000000" pitchFamily="2" charset="0"/>
               </a:rPr>
               <a:t>ullamcorper</a:t>
             </a:r>
             <a:r>
               <a:rPr lang="en-NZ" sz="1200" b="1" dirty="0">
                 <a:solidFill>
-                  <a:srgbClr val="717C89"/>
-                </a:solidFill>
-                <a:latin typeface="Univers" panose="020B0503020202020204" pitchFamily="34" charset="0"/>
+                  <a:srgbClr val="252627"/>
+                </a:solidFill>
+                <a:latin typeface="Play" panose="00000500000000000000" pitchFamily="2" charset="0"/>
               </a:rPr>
               <a:t> non </a:t>
             </a:r>
             <a:r>
               <a:rPr lang="en-NZ" sz="1200" b="1" dirty="0" err="1">
                 <a:solidFill>
-                  <a:srgbClr val="717C89"/>
-                </a:solidFill>
-                <a:latin typeface="Univers" panose="020B0503020202020204" pitchFamily="34" charset="0"/>
+                  <a:srgbClr val="252627"/>
+                </a:solidFill>
+                <a:latin typeface="Play" panose="00000500000000000000" pitchFamily="2" charset="0"/>
               </a:rPr>
               <a:t>lacus</a:t>
             </a:r>
             <a:r>
               <a:rPr lang="en-NZ" sz="1200" b="1" dirty="0">
                 <a:solidFill>
-                  <a:srgbClr val="717C89"/>
-                </a:solidFill>
-                <a:latin typeface="Univers" panose="020B0503020202020204" pitchFamily="34" charset="0"/>
+                  <a:srgbClr val="252627"/>
+                </a:solidFill>
+                <a:latin typeface="Play" panose="00000500000000000000" pitchFamily="2" charset="0"/>
               </a:rPr>
               <a:t> </a:t>
             </a:r>
             <a:r>
               <a:rPr lang="en-NZ" sz="1200" b="1" dirty="0" err="1">
                 <a:solidFill>
-                  <a:srgbClr val="717C89"/>
-                </a:solidFill>
-                <a:latin typeface="Univers" panose="020B0503020202020204" pitchFamily="34" charset="0"/>
+                  <a:srgbClr val="252627"/>
+                </a:solidFill>
+                <a:latin typeface="Play" panose="00000500000000000000" pitchFamily="2" charset="0"/>
               </a:rPr>
               <a:t>nec</a:t>
             </a:r>
             <a:r>
               <a:rPr lang="en-NZ" sz="1200" b="1" dirty="0">
                 <a:solidFill>
-                  <a:srgbClr val="717C89"/>
-                </a:solidFill>
-                <a:latin typeface="Univers" panose="020B0503020202020204" pitchFamily="34" charset="0"/>
+                  <a:srgbClr val="252627"/>
+                </a:solidFill>
+                <a:latin typeface="Play" panose="00000500000000000000" pitchFamily="2" charset="0"/>
               </a:rPr>
               <a:t> </a:t>
             </a:r>
             <a:r>
               <a:rPr lang="en-NZ" sz="1200" b="1" dirty="0" err="1">
                 <a:solidFill>
-                  <a:srgbClr val="717C89"/>
-                </a:solidFill>
-                <a:latin typeface="Univers" panose="020B0503020202020204" pitchFamily="34" charset="0"/>
+                  <a:srgbClr val="252627"/>
+                </a:solidFill>
+                <a:latin typeface="Play" panose="00000500000000000000" pitchFamily="2" charset="0"/>
               </a:rPr>
               <a:t>vehicula</a:t>
             </a:r>
             <a:r>
               <a:rPr lang="en-NZ" sz="1200" b="1" dirty="0">
                 <a:solidFill>
-                  <a:srgbClr val="717C89"/>
-                </a:solidFill>
-                <a:latin typeface="Univers" panose="020B0503020202020204" pitchFamily="34" charset="0"/>
+                  <a:srgbClr val="252627"/>
+                </a:solidFill>
+                <a:latin typeface="Play" panose="00000500000000000000" pitchFamily="2" charset="0"/>
               </a:rPr>
               <a:t>. Nunc id lorem </a:t>
             </a:r>
             <a:r>
               <a:rPr lang="en-NZ" sz="1200" b="1" dirty="0" err="1">
                 <a:solidFill>
-                  <a:srgbClr val="717C89"/>
-                </a:solidFill>
-                <a:latin typeface="Univers" panose="020B0503020202020204" pitchFamily="34" charset="0"/>
+                  <a:srgbClr val="252627"/>
+                </a:solidFill>
+                <a:latin typeface="Play" panose="00000500000000000000" pitchFamily="2" charset="0"/>
               </a:rPr>
               <a:t>faucibus</a:t>
             </a:r>
             <a:r>
               <a:rPr lang="en-NZ" sz="1200" b="1" dirty="0">
                 <a:solidFill>
-                  <a:srgbClr val="717C89"/>
-                </a:solidFill>
-                <a:latin typeface="Univers" panose="020B0503020202020204" pitchFamily="34" charset="0"/>
+                  <a:srgbClr val="252627"/>
+                </a:solidFill>
+                <a:latin typeface="Play" panose="00000500000000000000" pitchFamily="2" charset="0"/>
               </a:rPr>
               <a:t>, dictum </a:t>
             </a:r>
             <a:r>
               <a:rPr lang="en-NZ" sz="1200" b="1" dirty="0" err="1">
                 <a:solidFill>
-                  <a:srgbClr val="717C89"/>
-                </a:solidFill>
-                <a:latin typeface="Univers" panose="020B0503020202020204" pitchFamily="34" charset="0"/>
+                  <a:srgbClr val="252627"/>
+                </a:solidFill>
+                <a:latin typeface="Play" panose="00000500000000000000" pitchFamily="2" charset="0"/>
               </a:rPr>
               <a:t>metus</a:t>
             </a:r>
             <a:r>
               <a:rPr lang="en-NZ" sz="1200" b="1" dirty="0">
                 <a:solidFill>
-                  <a:srgbClr val="717C89"/>
-                </a:solidFill>
-                <a:latin typeface="Univers" panose="020B0503020202020204" pitchFamily="34" charset="0"/>
+                  <a:srgbClr val="252627"/>
+                </a:solidFill>
+                <a:latin typeface="Play" panose="00000500000000000000" pitchFamily="2" charset="0"/>
               </a:rPr>
               <a:t> in, </a:t>
             </a:r>
             <a:r>
               <a:rPr lang="en-NZ" sz="1200" b="1" dirty="0" err="1">
                 <a:solidFill>
-                  <a:srgbClr val="717C89"/>
-                </a:solidFill>
-                <a:latin typeface="Univers" panose="020B0503020202020204" pitchFamily="34" charset="0"/>
+                  <a:srgbClr val="252627"/>
+                </a:solidFill>
+                <a:latin typeface="Play" panose="00000500000000000000" pitchFamily="2" charset="0"/>
               </a:rPr>
               <a:t>rhoncus</a:t>
             </a:r>
             <a:r>
               <a:rPr lang="en-NZ" sz="1200" b="1" dirty="0">
                 <a:solidFill>
-                  <a:srgbClr val="717C89"/>
-                </a:solidFill>
-                <a:latin typeface="Univers" panose="020B0503020202020204" pitchFamily="34" charset="0"/>
+                  <a:srgbClr val="252627"/>
+                </a:solidFill>
+                <a:latin typeface="Play" panose="00000500000000000000" pitchFamily="2" charset="0"/>
               </a:rPr>
               <a:t> est. </a:t>
             </a:r>
             <a:r>
               <a:rPr lang="en-NZ" sz="1200" b="1" dirty="0" err="1">
                 <a:solidFill>
-                  <a:srgbClr val="717C89"/>
-                </a:solidFill>
-                <a:latin typeface="Univers" panose="020B0503020202020204" pitchFamily="34" charset="0"/>
+                  <a:srgbClr val="252627"/>
+                </a:solidFill>
+                <a:latin typeface="Play" panose="00000500000000000000" pitchFamily="2" charset="0"/>
               </a:rPr>
               <a:t>Fusce</a:t>
             </a:r>
             <a:r>
               <a:rPr lang="en-NZ" sz="1200" b="1" dirty="0">
                 <a:solidFill>
-                  <a:srgbClr val="717C89"/>
-                </a:solidFill>
-                <a:latin typeface="Univers" panose="020B0503020202020204" pitchFamily="34" charset="0"/>
+                  <a:srgbClr val="252627"/>
+                </a:solidFill>
+                <a:latin typeface="Play" panose="00000500000000000000" pitchFamily="2" charset="0"/>
               </a:rPr>
               <a:t> maximus sit </a:t>
             </a:r>
             <a:r>
               <a:rPr lang="en-NZ" sz="1200" b="1" dirty="0" err="1">
                 <a:solidFill>
-                  <a:srgbClr val="717C89"/>
-                </a:solidFill>
-                <a:latin typeface="Univers" panose="020B0503020202020204" pitchFamily="34" charset="0"/>
+                  <a:srgbClr val="252627"/>
+                </a:solidFill>
+                <a:latin typeface="Play" panose="00000500000000000000" pitchFamily="2" charset="0"/>
               </a:rPr>
               <a:t>amet</a:t>
             </a:r>
             <a:r>
               <a:rPr lang="en-NZ" sz="1200" b="1" dirty="0">
                 <a:solidFill>
-                  <a:srgbClr val="717C89"/>
-                </a:solidFill>
-                <a:latin typeface="Univers" panose="020B0503020202020204" pitchFamily="34" charset="0"/>
+                  <a:srgbClr val="252627"/>
+                </a:solidFill>
+                <a:latin typeface="Play" panose="00000500000000000000" pitchFamily="2" charset="0"/>
               </a:rPr>
               <a:t> </a:t>
             </a:r>
             <a:r>
               <a:rPr lang="en-NZ" sz="1200" b="1" dirty="0" err="1">
                 <a:solidFill>
-                  <a:srgbClr val="717C89"/>
-                </a:solidFill>
-                <a:latin typeface="Univers" panose="020B0503020202020204" pitchFamily="34" charset="0"/>
+                  <a:srgbClr val="252627"/>
+                </a:solidFill>
+                <a:latin typeface="Play" panose="00000500000000000000" pitchFamily="2" charset="0"/>
               </a:rPr>
               <a:t>orci</a:t>
             </a:r>
             <a:r>
               <a:rPr lang="en-NZ" sz="1200" b="1" dirty="0">
                 <a:solidFill>
-                  <a:srgbClr val="717C89"/>
-                </a:solidFill>
-                <a:latin typeface="Univers" panose="020B0503020202020204" pitchFamily="34" charset="0"/>
+                  <a:srgbClr val="252627"/>
+                </a:solidFill>
+                <a:latin typeface="Play" panose="00000500000000000000" pitchFamily="2" charset="0"/>
               </a:rPr>
               <a:t> </a:t>
             </a:r>
             <a:r>
               <a:rPr lang="en-NZ" sz="1200" b="1" dirty="0" err="1">
                 <a:solidFill>
-                  <a:srgbClr val="717C89"/>
-                </a:solidFill>
-                <a:latin typeface="Univers" panose="020B0503020202020204" pitchFamily="34" charset="0"/>
+                  <a:srgbClr val="252627"/>
+                </a:solidFill>
+                <a:latin typeface="Play" panose="00000500000000000000" pitchFamily="2" charset="0"/>
               </a:rPr>
               <a:t>quis</a:t>
             </a:r>
             <a:r>
               <a:rPr lang="en-NZ" sz="1200" b="1" dirty="0">
                 <a:solidFill>
-                  <a:srgbClr val="717C89"/>
-                </a:solidFill>
-                <a:latin typeface="Univers" panose="020B0503020202020204" pitchFamily="34" charset="0"/>
+                  <a:srgbClr val="252627"/>
+                </a:solidFill>
+                <a:latin typeface="Play" panose="00000500000000000000" pitchFamily="2" charset="0"/>
               </a:rPr>
               <a:t> </a:t>
             </a:r>
             <a:r>
               <a:rPr lang="en-NZ" sz="1200" b="1" dirty="0" err="1">
                 <a:solidFill>
-                  <a:srgbClr val="717C89"/>
-                </a:solidFill>
-                <a:latin typeface="Univers" panose="020B0503020202020204" pitchFamily="34" charset="0"/>
+                  <a:srgbClr val="252627"/>
+                </a:solidFill>
+                <a:latin typeface="Play" panose="00000500000000000000" pitchFamily="2" charset="0"/>
               </a:rPr>
               <a:t>imperdiet</a:t>
             </a:r>
             <a:r>
               <a:rPr lang="en-NZ" sz="1200" b="1" dirty="0">
                 <a:solidFill>
-                  <a:srgbClr val="717C89"/>
-                </a:solidFill>
-                <a:latin typeface="Univers" panose="020B0503020202020204" pitchFamily="34" charset="0"/>
+                  <a:srgbClr val="252627"/>
+                </a:solidFill>
+                <a:latin typeface="Play" panose="00000500000000000000" pitchFamily="2" charset="0"/>
               </a:rPr>
               <a:t>. </a:t>
             </a:r>
             <a:r>
               <a:rPr lang="en-NZ" sz="1200" b="1" dirty="0" err="1">
                 <a:solidFill>
-                  <a:srgbClr val="717C89"/>
-                </a:solidFill>
-                <a:latin typeface="Univers" panose="020B0503020202020204" pitchFamily="34" charset="0"/>
+                  <a:srgbClr val="252627"/>
+                </a:solidFill>
+                <a:latin typeface="Play" panose="00000500000000000000" pitchFamily="2" charset="0"/>
               </a:rPr>
               <a:t>Curabitur</a:t>
             </a:r>
             <a:r>
               <a:rPr lang="en-NZ" sz="1200" b="1" dirty="0">
                 <a:solidFill>
-                  <a:srgbClr val="717C89"/>
-                </a:solidFill>
-                <a:latin typeface="Univers" panose="020B0503020202020204" pitchFamily="34" charset="0"/>
+                  <a:srgbClr val="252627"/>
+                </a:solidFill>
+                <a:latin typeface="Play" panose="00000500000000000000" pitchFamily="2" charset="0"/>
               </a:rPr>
               <a:t> </a:t>
             </a:r>
             <a:r>
               <a:rPr lang="en-NZ" sz="1200" b="1" dirty="0" err="1">
                 <a:solidFill>
-                  <a:srgbClr val="717C89"/>
-                </a:solidFill>
-                <a:latin typeface="Univers" panose="020B0503020202020204" pitchFamily="34" charset="0"/>
+                  <a:srgbClr val="252627"/>
+                </a:solidFill>
+                <a:latin typeface="Play" panose="00000500000000000000" pitchFamily="2" charset="0"/>
               </a:rPr>
               <a:t>nulla</a:t>
             </a:r>
             <a:r>
               <a:rPr lang="en-NZ" sz="1200" b="1" dirty="0">
                 <a:solidFill>
-                  <a:srgbClr val="717C89"/>
-                </a:solidFill>
-                <a:latin typeface="Univers" panose="020B0503020202020204" pitchFamily="34" charset="0"/>
+                  <a:srgbClr val="252627"/>
+                </a:solidFill>
+                <a:latin typeface="Play" panose="00000500000000000000" pitchFamily="2" charset="0"/>
               </a:rPr>
               <a:t> mi, </a:t>
             </a:r>
             <a:r>
               <a:rPr lang="en-NZ" sz="1200" b="1" dirty="0" err="1">
                 <a:solidFill>
-                  <a:srgbClr val="717C89"/>
-                </a:solidFill>
-                <a:latin typeface="Univers" panose="020B0503020202020204" pitchFamily="34" charset="0"/>
+                  <a:srgbClr val="252627"/>
+                </a:solidFill>
+                <a:latin typeface="Play" panose="00000500000000000000" pitchFamily="2" charset="0"/>
               </a:rPr>
               <a:t>vehicula</a:t>
             </a:r>
             <a:r>
               <a:rPr lang="en-NZ" sz="1200" b="1" dirty="0">
                 <a:solidFill>
-                  <a:srgbClr val="717C89"/>
-                </a:solidFill>
-                <a:latin typeface="Univers" panose="020B0503020202020204" pitchFamily="34" charset="0"/>
+                  <a:srgbClr val="252627"/>
+                </a:solidFill>
+                <a:latin typeface="Play" panose="00000500000000000000" pitchFamily="2" charset="0"/>
               </a:rPr>
               <a:t> fermentum </a:t>
             </a:r>
             <a:r>
               <a:rPr lang="en-NZ" sz="1200" b="1" dirty="0" err="1">
                 <a:solidFill>
-                  <a:srgbClr val="717C89"/>
-                </a:solidFill>
-                <a:latin typeface="Univers" panose="020B0503020202020204" pitchFamily="34" charset="0"/>
+                  <a:srgbClr val="252627"/>
+                </a:solidFill>
+                <a:latin typeface="Play" panose="00000500000000000000" pitchFamily="2" charset="0"/>
               </a:rPr>
               <a:t>rutrum</a:t>
             </a:r>
             <a:r>
               <a:rPr lang="en-NZ" sz="1200" b="1" dirty="0">
                 <a:solidFill>
-                  <a:srgbClr val="717C89"/>
-                </a:solidFill>
-                <a:latin typeface="Univers" panose="020B0503020202020204" pitchFamily="34" charset="0"/>
+                  <a:srgbClr val="252627"/>
+                </a:solidFill>
+                <a:latin typeface="Play" panose="00000500000000000000" pitchFamily="2" charset="0"/>
               </a:rPr>
               <a:t> non, </a:t>
             </a:r>
             <a:r>
               <a:rPr lang="en-NZ" sz="1200" b="1" dirty="0" err="1">
                 <a:solidFill>
-                  <a:srgbClr val="717C89"/>
-                </a:solidFill>
-                <a:latin typeface="Univers" panose="020B0503020202020204" pitchFamily="34" charset="0"/>
+                  <a:srgbClr val="252627"/>
+                </a:solidFill>
+                <a:latin typeface="Play" panose="00000500000000000000" pitchFamily="2" charset="0"/>
               </a:rPr>
               <a:t>volutpat</a:t>
             </a:r>
             <a:r>
               <a:rPr lang="en-NZ" sz="1200" b="1" dirty="0">
                 <a:solidFill>
-                  <a:srgbClr val="717C89"/>
-                </a:solidFill>
-                <a:latin typeface="Univers" panose="020B0503020202020204" pitchFamily="34" charset="0"/>
+                  <a:srgbClr val="252627"/>
+                </a:solidFill>
+                <a:latin typeface="Play" panose="00000500000000000000" pitchFamily="2" charset="0"/>
               </a:rPr>
               <a:t> sit </a:t>
             </a:r>
             <a:r>
               <a:rPr lang="en-NZ" sz="1200" b="1" dirty="0" err="1">
                 <a:solidFill>
-                  <a:srgbClr val="717C89"/>
-                </a:solidFill>
-                <a:latin typeface="Univers" panose="020B0503020202020204" pitchFamily="34" charset="0"/>
+                  <a:srgbClr val="252627"/>
+                </a:solidFill>
+                <a:latin typeface="Play" panose="00000500000000000000" pitchFamily="2" charset="0"/>
               </a:rPr>
               <a:t>amet</a:t>
             </a:r>
             <a:r>
               <a:rPr lang="en-NZ" sz="1200" b="1" dirty="0">
                 <a:solidFill>
-                  <a:srgbClr val="717C89"/>
-                </a:solidFill>
-                <a:latin typeface="Univers" panose="020B0503020202020204" pitchFamily="34" charset="0"/>
+                  <a:srgbClr val="252627"/>
+                </a:solidFill>
+                <a:latin typeface="Play" panose="00000500000000000000" pitchFamily="2" charset="0"/>
               </a:rPr>
               <a:t> </a:t>
             </a:r>
             <a:r>
               <a:rPr lang="en-NZ" sz="1200" b="1" dirty="0" err="1">
                 <a:solidFill>
-                  <a:srgbClr val="717C89"/>
-                </a:solidFill>
-                <a:latin typeface="Univers" panose="020B0503020202020204" pitchFamily="34" charset="0"/>
+                  <a:srgbClr val="252627"/>
+                </a:solidFill>
+                <a:latin typeface="Play" panose="00000500000000000000" pitchFamily="2" charset="0"/>
               </a:rPr>
               <a:t>purus</a:t>
             </a:r>
             <a:r>
               <a:rPr lang="en-NZ" sz="1200" b="1" dirty="0">
                 <a:solidFill>
-                  <a:srgbClr val="717C89"/>
-                </a:solidFill>
-                <a:latin typeface="Univers" panose="020B0503020202020204" pitchFamily="34" charset="0"/>
+                  <a:srgbClr val="252627"/>
+                </a:solidFill>
+                <a:latin typeface="Play" panose="00000500000000000000" pitchFamily="2" charset="0"/>
               </a:rPr>
               <a:t>. Integer </a:t>
             </a:r>
             <a:r>
               <a:rPr lang="en-NZ" sz="1200" b="1" dirty="0" err="1">
                 <a:solidFill>
-                  <a:srgbClr val="717C89"/>
-                </a:solidFill>
-                <a:latin typeface="Univers" panose="020B0503020202020204" pitchFamily="34" charset="0"/>
+                  <a:srgbClr val="252627"/>
+                </a:solidFill>
+                <a:latin typeface="Play" panose="00000500000000000000" pitchFamily="2" charset="0"/>
               </a:rPr>
               <a:t>neque</a:t>
             </a:r>
             <a:r>
               <a:rPr lang="en-NZ" sz="1200" b="1" dirty="0">
                 <a:solidFill>
-                  <a:srgbClr val="717C89"/>
-                </a:solidFill>
-                <a:latin typeface="Univers" panose="020B0503020202020204" pitchFamily="34" charset="0"/>
+                  <a:srgbClr val="252627"/>
+                </a:solidFill>
+                <a:latin typeface="Play" panose="00000500000000000000" pitchFamily="2" charset="0"/>
               </a:rPr>
               <a:t> </a:t>
             </a:r>
             <a:r>
               <a:rPr lang="en-NZ" sz="1200" b="1" dirty="0" err="1">
                 <a:solidFill>
-                  <a:srgbClr val="717C89"/>
-                </a:solidFill>
-                <a:latin typeface="Univers" panose="020B0503020202020204" pitchFamily="34" charset="0"/>
+                  <a:srgbClr val="252627"/>
+                </a:solidFill>
+                <a:latin typeface="Play" panose="00000500000000000000" pitchFamily="2" charset="0"/>
               </a:rPr>
               <a:t>velit</a:t>
             </a:r>
             <a:r>
               <a:rPr lang="en-NZ" sz="1200" b="1" dirty="0">
                 <a:solidFill>
-                  <a:srgbClr val="717C89"/>
-                </a:solidFill>
-                <a:latin typeface="Univers" panose="020B0503020202020204" pitchFamily="34" charset="0"/>
+                  <a:srgbClr val="252627"/>
+                </a:solidFill>
+                <a:latin typeface="Play" panose="00000500000000000000" pitchFamily="2" charset="0"/>
               </a:rPr>
               <a:t>, dictum </a:t>
             </a:r>
             <a:r>
               <a:rPr lang="en-NZ" sz="1200" b="1" dirty="0" err="1">
                 <a:solidFill>
-                  <a:srgbClr val="717C89"/>
-                </a:solidFill>
-                <a:latin typeface="Univers" panose="020B0503020202020204" pitchFamily="34" charset="0"/>
+                  <a:srgbClr val="252627"/>
+                </a:solidFill>
+                <a:latin typeface="Play" panose="00000500000000000000" pitchFamily="2" charset="0"/>
               </a:rPr>
               <a:t>fringilla</a:t>
             </a:r>
             <a:r>
               <a:rPr lang="en-NZ" sz="1200" b="1" dirty="0">
                 <a:solidFill>
-                  <a:srgbClr val="717C89"/>
-                </a:solidFill>
-                <a:latin typeface="Univers" panose="020B0503020202020204" pitchFamily="34" charset="0"/>
+                  <a:srgbClr val="252627"/>
+                </a:solidFill>
+                <a:latin typeface="Play" panose="00000500000000000000" pitchFamily="2" charset="0"/>
               </a:rPr>
               <a:t> </a:t>
             </a:r>
             <a:r>
               <a:rPr lang="en-NZ" sz="1200" b="1" dirty="0" err="1">
                 <a:solidFill>
-                  <a:srgbClr val="717C89"/>
-                </a:solidFill>
-                <a:latin typeface="Univers" panose="020B0503020202020204" pitchFamily="34" charset="0"/>
+                  <a:srgbClr val="252627"/>
+                </a:solidFill>
+                <a:latin typeface="Play" panose="00000500000000000000" pitchFamily="2" charset="0"/>
               </a:rPr>
               <a:t>rutrum</a:t>
             </a:r>
             <a:r>
               <a:rPr lang="en-NZ" sz="1200" b="1" dirty="0">
                 <a:solidFill>
-                  <a:srgbClr val="717C89"/>
-                </a:solidFill>
-                <a:latin typeface="Univers" panose="020B0503020202020204" pitchFamily="34" charset="0"/>
+                  <a:srgbClr val="252627"/>
+                </a:solidFill>
+                <a:latin typeface="Play" panose="00000500000000000000" pitchFamily="2" charset="0"/>
               </a:rPr>
               <a:t> </a:t>
             </a:r>
             <a:r>
               <a:rPr lang="en-NZ" sz="1200" b="1" dirty="0" err="1">
                 <a:solidFill>
-                  <a:srgbClr val="717C89"/>
-                </a:solidFill>
-                <a:latin typeface="Univers" panose="020B0503020202020204" pitchFamily="34" charset="0"/>
+                  <a:srgbClr val="252627"/>
+                </a:solidFill>
+                <a:latin typeface="Play" panose="00000500000000000000" pitchFamily="2" charset="0"/>
               </a:rPr>
               <a:t>vel</a:t>
             </a:r>
             <a:r>
               <a:rPr lang="en-NZ" sz="1200" b="1" dirty="0">
                 <a:solidFill>
-                  <a:srgbClr val="717C89"/>
-                </a:solidFill>
-                <a:latin typeface="Univers" panose="020B0503020202020204" pitchFamily="34" charset="0"/>
+                  <a:srgbClr val="252627"/>
+                </a:solidFill>
+                <a:latin typeface="Play" panose="00000500000000000000" pitchFamily="2" charset="0"/>
               </a:rPr>
               <a:t>, </a:t>
             </a:r>
             <a:r>
               <a:rPr lang="en-NZ" sz="1200" b="1" dirty="0" err="1">
                 <a:solidFill>
-                  <a:srgbClr val="717C89"/>
-                </a:solidFill>
-                <a:latin typeface="Univers" panose="020B0503020202020204" pitchFamily="34" charset="0"/>
+                  <a:srgbClr val="252627"/>
+                </a:solidFill>
+                <a:latin typeface="Play" panose="00000500000000000000" pitchFamily="2" charset="0"/>
               </a:rPr>
               <a:t>viverra</a:t>
             </a:r>
             <a:r>
               <a:rPr lang="en-NZ" sz="1200" b="1" dirty="0">
                 <a:solidFill>
-                  <a:srgbClr val="717C89"/>
-                </a:solidFill>
-                <a:latin typeface="Univers" panose="020B0503020202020204" pitchFamily="34" charset="0"/>
+                  <a:srgbClr val="252627"/>
+                </a:solidFill>
+                <a:latin typeface="Play" panose="00000500000000000000" pitchFamily="2" charset="0"/>
               </a:rPr>
               <a:t> </a:t>
             </a:r>
             <a:r>
               <a:rPr lang="en-NZ" sz="1200" b="1" dirty="0" err="1">
                 <a:solidFill>
-                  <a:srgbClr val="717C89"/>
-                </a:solidFill>
-                <a:latin typeface="Univers" panose="020B0503020202020204" pitchFamily="34" charset="0"/>
+                  <a:srgbClr val="252627"/>
+                </a:solidFill>
+                <a:latin typeface="Play" panose="00000500000000000000" pitchFamily="2" charset="0"/>
               </a:rPr>
               <a:t>ut</a:t>
             </a:r>
             <a:r>
               <a:rPr lang="en-NZ" sz="1200" b="1" dirty="0">
                 <a:solidFill>
-                  <a:srgbClr val="717C89"/>
-                </a:solidFill>
-                <a:latin typeface="Univers" panose="020B0503020202020204" pitchFamily="34" charset="0"/>
+                  <a:srgbClr val="252627"/>
+                </a:solidFill>
+                <a:latin typeface="Play" panose="00000500000000000000" pitchFamily="2" charset="0"/>
               </a:rPr>
               <a:t> magna. </a:t>
             </a:r>
             <a:r>
               <a:rPr lang="en-NZ" sz="1200" b="1" dirty="0" err="1">
                 <a:solidFill>
-                  <a:srgbClr val="717C89"/>
-                </a:solidFill>
-                <a:latin typeface="Univers" panose="020B0503020202020204" pitchFamily="34" charset="0"/>
+                  <a:srgbClr val="252627"/>
+                </a:solidFill>
+                <a:latin typeface="Play" panose="00000500000000000000" pitchFamily="2" charset="0"/>
               </a:rPr>
               <a:t>Sed</a:t>
             </a:r>
             <a:r>
               <a:rPr lang="en-NZ" sz="1200" b="1" dirty="0">
                 <a:solidFill>
-                  <a:srgbClr val="717C89"/>
-                </a:solidFill>
-                <a:latin typeface="Univers" panose="020B0503020202020204" pitchFamily="34" charset="0"/>
+                  <a:srgbClr val="252627"/>
+                </a:solidFill>
+                <a:latin typeface="Play" panose="00000500000000000000" pitchFamily="2" charset="0"/>
               </a:rPr>
               <a:t> </a:t>
             </a:r>
             <a:r>
               <a:rPr lang="en-NZ" sz="1200" b="1" dirty="0" err="1">
                 <a:solidFill>
-                  <a:srgbClr val="717C89"/>
-                </a:solidFill>
-                <a:latin typeface="Univers" panose="020B0503020202020204" pitchFamily="34" charset="0"/>
+                  <a:srgbClr val="252627"/>
+                </a:solidFill>
+                <a:latin typeface="Play" panose="00000500000000000000" pitchFamily="2" charset="0"/>
               </a:rPr>
               <a:t>tristique</a:t>
             </a:r>
             <a:r>
               <a:rPr lang="en-NZ" sz="1200" b="1" dirty="0">
                 <a:solidFill>
-                  <a:srgbClr val="717C89"/>
-                </a:solidFill>
-                <a:latin typeface="Univers" panose="020B0503020202020204" pitchFamily="34" charset="0"/>
+                  <a:srgbClr val="252627"/>
+                </a:solidFill>
+                <a:latin typeface="Play" panose="00000500000000000000" pitchFamily="2" charset="0"/>
               </a:rPr>
               <a:t> </a:t>
             </a:r>
             <a:r>
               <a:rPr lang="en-NZ" sz="1200" b="1" dirty="0" err="1">
                 <a:solidFill>
-                  <a:srgbClr val="717C89"/>
-                </a:solidFill>
-                <a:latin typeface="Univers" panose="020B0503020202020204" pitchFamily="34" charset="0"/>
+                  <a:srgbClr val="252627"/>
+                </a:solidFill>
+                <a:latin typeface="Play" panose="00000500000000000000" pitchFamily="2" charset="0"/>
               </a:rPr>
               <a:t>dolor</a:t>
             </a:r>
             <a:r>
               <a:rPr lang="en-NZ" sz="1200" b="1" dirty="0">
                 <a:solidFill>
-                  <a:srgbClr val="717C89"/>
-                </a:solidFill>
-                <a:latin typeface="Univers" panose="020B0503020202020204" pitchFamily="34" charset="0"/>
+                  <a:srgbClr val="252627"/>
+                </a:solidFill>
+                <a:latin typeface="Play" panose="00000500000000000000" pitchFamily="2" charset="0"/>
               </a:rPr>
               <a:t> </a:t>
             </a:r>
             <a:r>
               <a:rPr lang="en-NZ" sz="1200" b="1" dirty="0" err="1">
                 <a:solidFill>
-                  <a:srgbClr val="717C89"/>
-                </a:solidFill>
-                <a:latin typeface="Univers" panose="020B0503020202020204" pitchFamily="34" charset="0"/>
+                  <a:srgbClr val="252627"/>
+                </a:solidFill>
+                <a:latin typeface="Play" panose="00000500000000000000" pitchFamily="2" charset="0"/>
               </a:rPr>
               <a:t>eu</a:t>
             </a:r>
             <a:r>
               <a:rPr lang="en-NZ" sz="1200" b="1" dirty="0">
                 <a:solidFill>
-                  <a:srgbClr val="717C89"/>
-                </a:solidFill>
-                <a:latin typeface="Univers" panose="020B0503020202020204" pitchFamily="34" charset="0"/>
+                  <a:srgbClr val="252627"/>
+                </a:solidFill>
+                <a:latin typeface="Play" panose="00000500000000000000" pitchFamily="2" charset="0"/>
               </a:rPr>
               <a:t> porta </a:t>
             </a:r>
             <a:r>
               <a:rPr lang="en-NZ" sz="1200" b="1" dirty="0" err="1">
                 <a:solidFill>
-                  <a:srgbClr val="717C89"/>
-                </a:solidFill>
-                <a:latin typeface="Univers" panose="020B0503020202020204" pitchFamily="34" charset="0"/>
+                  <a:srgbClr val="252627"/>
+                </a:solidFill>
+                <a:latin typeface="Play" panose="00000500000000000000" pitchFamily="2" charset="0"/>
               </a:rPr>
               <a:t>hendrerit</a:t>
             </a:r>
             <a:r>
               <a:rPr lang="en-NZ" sz="1200" b="1" dirty="0">
                 <a:solidFill>
-                  <a:srgbClr val="717C89"/>
-                </a:solidFill>
-                <a:latin typeface="Univers" panose="020B0503020202020204" pitchFamily="34" charset="0"/>
+                  <a:srgbClr val="252627"/>
+                </a:solidFill>
+                <a:latin typeface="Play" panose="00000500000000000000" pitchFamily="2" charset="0"/>
               </a:rPr>
               <a:t>. Ut cursus </a:t>
             </a:r>
             <a:r>
               <a:rPr lang="en-NZ" sz="1200" b="1" dirty="0" err="1">
                 <a:solidFill>
-                  <a:srgbClr val="717C89"/>
-                </a:solidFill>
-                <a:latin typeface="Univers" panose="020B0503020202020204" pitchFamily="34" charset="0"/>
+                  <a:srgbClr val="252627"/>
+                </a:solidFill>
+                <a:latin typeface="Play" panose="00000500000000000000" pitchFamily="2" charset="0"/>
               </a:rPr>
               <a:t>consequat</a:t>
             </a:r>
             <a:r>
               <a:rPr lang="en-NZ" sz="1200" b="1" dirty="0">
                 <a:solidFill>
-                  <a:srgbClr val="717C89"/>
-                </a:solidFill>
-                <a:latin typeface="Univers" panose="020B0503020202020204" pitchFamily="34" charset="0"/>
+                  <a:srgbClr val="252627"/>
+                </a:solidFill>
+                <a:latin typeface="Play" panose="00000500000000000000" pitchFamily="2" charset="0"/>
               </a:rPr>
               <a:t> </a:t>
             </a:r>
             <a:r>
               <a:rPr lang="en-NZ" sz="1200" b="1" dirty="0" err="1">
                 <a:solidFill>
-                  <a:srgbClr val="717C89"/>
-                </a:solidFill>
-                <a:latin typeface="Univers" panose="020B0503020202020204" pitchFamily="34" charset="0"/>
+                  <a:srgbClr val="252627"/>
+                </a:solidFill>
+                <a:latin typeface="Play" panose="00000500000000000000" pitchFamily="2" charset="0"/>
               </a:rPr>
               <a:t>diam</a:t>
             </a:r>
             <a:r>
               <a:rPr lang="en-NZ" sz="1200" b="1" dirty="0">
                 <a:solidFill>
-                  <a:srgbClr val="717C89"/>
-                </a:solidFill>
-                <a:latin typeface="Univers" panose="020B0503020202020204" pitchFamily="34" charset="0"/>
+                  <a:srgbClr val="252627"/>
+                </a:solidFill>
+                <a:latin typeface="Play" panose="00000500000000000000" pitchFamily="2" charset="0"/>
               </a:rPr>
               <a:t> </a:t>
             </a:r>
             <a:r>
               <a:rPr lang="en-NZ" sz="1200" b="1" dirty="0" err="1">
                 <a:solidFill>
-                  <a:srgbClr val="717C89"/>
-                </a:solidFill>
-                <a:latin typeface="Univers" panose="020B0503020202020204" pitchFamily="34" charset="0"/>
+                  <a:srgbClr val="252627"/>
+                </a:solidFill>
+                <a:latin typeface="Play" panose="00000500000000000000" pitchFamily="2" charset="0"/>
               </a:rPr>
               <a:t>sed</a:t>
             </a:r>
             <a:r>
               <a:rPr lang="en-NZ" sz="1200" b="1" dirty="0">
                 <a:solidFill>
-                  <a:srgbClr val="717C89"/>
-                </a:solidFill>
-                <a:latin typeface="Univers" panose="020B0503020202020204" pitchFamily="34" charset="0"/>
+                  <a:srgbClr val="252627"/>
+                </a:solidFill>
+                <a:latin typeface="Play" panose="00000500000000000000" pitchFamily="2" charset="0"/>
               </a:rPr>
               <a:t> </a:t>
             </a:r>
             <a:r>
               <a:rPr lang="en-NZ" sz="1200" b="1" dirty="0" err="1">
                 <a:solidFill>
-                  <a:srgbClr val="717C89"/>
-                </a:solidFill>
-                <a:latin typeface="Univers" panose="020B0503020202020204" pitchFamily="34" charset="0"/>
+                  <a:srgbClr val="252627"/>
+                </a:solidFill>
+                <a:latin typeface="Play" panose="00000500000000000000" pitchFamily="2" charset="0"/>
               </a:rPr>
               <a:t>efficitur</a:t>
             </a:r>
             <a:r>
               <a:rPr lang="en-NZ" sz="1200" b="1" dirty="0">
                 <a:solidFill>
-                  <a:srgbClr val="717C89"/>
-                </a:solidFill>
-                <a:latin typeface="Univers" panose="020B0503020202020204" pitchFamily="34" charset="0"/>
+                  <a:srgbClr val="252627"/>
+                </a:solidFill>
+                <a:latin typeface="Play" panose="00000500000000000000" pitchFamily="2" charset="0"/>
               </a:rPr>
               <a:t>. Maecenas </a:t>
             </a:r>
             <a:r>
               <a:rPr lang="en-NZ" sz="1200" b="1" dirty="0" err="1">
                 <a:solidFill>
-                  <a:srgbClr val="717C89"/>
-                </a:solidFill>
-                <a:latin typeface="Univers" panose="020B0503020202020204" pitchFamily="34" charset="0"/>
+                  <a:srgbClr val="252627"/>
+                </a:solidFill>
+                <a:latin typeface="Play" panose="00000500000000000000" pitchFamily="2" charset="0"/>
               </a:rPr>
               <a:t>malesuada</a:t>
             </a:r>
             <a:r>
               <a:rPr lang="en-NZ" sz="1200" b="1" dirty="0">
                 <a:solidFill>
-                  <a:srgbClr val="717C89"/>
-                </a:solidFill>
-                <a:latin typeface="Univers" panose="020B0503020202020204" pitchFamily="34" charset="0"/>
+                  <a:srgbClr val="252627"/>
+                </a:solidFill>
+                <a:latin typeface="Play" panose="00000500000000000000" pitchFamily="2" charset="0"/>
               </a:rPr>
               <a:t> libero non </a:t>
             </a:r>
             <a:r>
               <a:rPr lang="en-NZ" sz="1200" b="1" dirty="0" err="1">
                 <a:solidFill>
-                  <a:srgbClr val="717C89"/>
-                </a:solidFill>
-                <a:latin typeface="Univers" panose="020B0503020202020204" pitchFamily="34" charset="0"/>
+                  <a:srgbClr val="252627"/>
+                </a:solidFill>
+                <a:latin typeface="Play" panose="00000500000000000000" pitchFamily="2" charset="0"/>
               </a:rPr>
               <a:t>accumsan</a:t>
             </a:r>
             <a:r>
               <a:rPr lang="en-NZ" sz="1200" b="1" dirty="0">
                 <a:solidFill>
-                  <a:srgbClr val="717C89"/>
-                </a:solidFill>
-                <a:latin typeface="Univers" panose="020B0503020202020204" pitchFamily="34" charset="0"/>
+                  <a:srgbClr val="252627"/>
+                </a:solidFill>
+                <a:latin typeface="Play" panose="00000500000000000000" pitchFamily="2" charset="0"/>
               </a:rPr>
               <a:t> </a:t>
             </a:r>
             <a:r>
               <a:rPr lang="en-NZ" sz="1200" b="1" dirty="0" err="1">
                 <a:solidFill>
-                  <a:srgbClr val="717C89"/>
-                </a:solidFill>
-                <a:latin typeface="Univers" panose="020B0503020202020204" pitchFamily="34" charset="0"/>
+                  <a:srgbClr val="252627"/>
+                </a:solidFill>
+                <a:latin typeface="Play" panose="00000500000000000000" pitchFamily="2" charset="0"/>
               </a:rPr>
               <a:t>aliquet</a:t>
             </a:r>
             <a:r>
               <a:rPr lang="en-NZ" sz="1200" b="1" dirty="0">
                 <a:solidFill>
-                  <a:srgbClr val="717C89"/>
-                </a:solidFill>
-                <a:latin typeface="Univers" panose="020B0503020202020204" pitchFamily="34" charset="0"/>
+                  <a:srgbClr val="252627"/>
+                </a:solidFill>
+                <a:latin typeface="Play" panose="00000500000000000000" pitchFamily="2" charset="0"/>
               </a:rPr>
               <a:t>. Nunc </a:t>
             </a:r>
             <a:r>
               <a:rPr lang="en-NZ" sz="1200" b="1" dirty="0" err="1">
                 <a:solidFill>
-                  <a:srgbClr val="717C89"/>
-                </a:solidFill>
-                <a:latin typeface="Univers" panose="020B0503020202020204" pitchFamily="34" charset="0"/>
+                  <a:srgbClr val="252627"/>
+                </a:solidFill>
+                <a:latin typeface="Play" panose="00000500000000000000" pitchFamily="2" charset="0"/>
               </a:rPr>
               <a:t>blandit</a:t>
             </a:r>
             <a:r>
               <a:rPr lang="en-NZ" sz="1200" b="1" dirty="0">
                 <a:solidFill>
-                  <a:srgbClr val="717C89"/>
-                </a:solidFill>
-                <a:latin typeface="Univers" panose="020B0503020202020204" pitchFamily="34" charset="0"/>
+                  <a:srgbClr val="252627"/>
+                </a:solidFill>
+                <a:latin typeface="Play" panose="00000500000000000000" pitchFamily="2" charset="0"/>
               </a:rPr>
               <a:t> </a:t>
             </a:r>
             <a:r>
               <a:rPr lang="en-NZ" sz="1200" b="1" dirty="0" err="1">
                 <a:solidFill>
-                  <a:srgbClr val="717C89"/>
-                </a:solidFill>
-                <a:latin typeface="Univers" panose="020B0503020202020204" pitchFamily="34" charset="0"/>
+                  <a:srgbClr val="252627"/>
+                </a:solidFill>
+                <a:latin typeface="Play" panose="00000500000000000000" pitchFamily="2" charset="0"/>
               </a:rPr>
               <a:t>vehicula</a:t>
             </a:r>
             <a:r>
               <a:rPr lang="en-NZ" sz="1200" b="1" dirty="0">
                 <a:solidFill>
-                  <a:srgbClr val="717C89"/>
-                </a:solidFill>
-                <a:latin typeface="Univers" panose="020B0503020202020204" pitchFamily="34" charset="0"/>
+                  <a:srgbClr val="252627"/>
+                </a:solidFill>
+                <a:latin typeface="Play" panose="00000500000000000000" pitchFamily="2" charset="0"/>
               </a:rPr>
               <a:t> lorem et </a:t>
             </a:r>
             <a:r>
               <a:rPr lang="en-NZ" sz="1200" b="1" dirty="0" err="1">
                 <a:solidFill>
-                  <a:srgbClr val="717C89"/>
-                </a:solidFill>
-                <a:latin typeface="Univers" panose="020B0503020202020204" pitchFamily="34" charset="0"/>
+                  <a:srgbClr val="252627"/>
+                </a:solidFill>
+                <a:latin typeface="Play" panose="00000500000000000000" pitchFamily="2" charset="0"/>
               </a:rPr>
               <a:t>malesuada</a:t>
             </a:r>
             <a:r>
               <a:rPr lang="en-NZ" sz="1200" b="1" dirty="0">
                 <a:solidFill>
-                  <a:srgbClr val="717C89"/>
-                </a:solidFill>
-                <a:latin typeface="Univers" panose="020B0503020202020204" pitchFamily="34" charset="0"/>
+                  <a:srgbClr val="252627"/>
+                </a:solidFill>
+                <a:latin typeface="Play" panose="00000500000000000000" pitchFamily="2" charset="0"/>
               </a:rPr>
               <a:t>. </a:t>
             </a:r>
             <a:r>
               <a:rPr lang="en-NZ" sz="1200" b="1" dirty="0" err="1">
                 <a:solidFill>
-                  <a:srgbClr val="717C89"/>
-                </a:solidFill>
-                <a:latin typeface="Univers" panose="020B0503020202020204" pitchFamily="34" charset="0"/>
+                  <a:srgbClr val="252627"/>
+                </a:solidFill>
+                <a:latin typeface="Play" panose="00000500000000000000" pitchFamily="2" charset="0"/>
               </a:rPr>
               <a:t>Donec</a:t>
             </a:r>
             <a:r>
               <a:rPr lang="en-NZ" sz="1200" b="1" dirty="0">
                 <a:solidFill>
-                  <a:srgbClr val="717C89"/>
-                </a:solidFill>
-                <a:latin typeface="Univers" panose="020B0503020202020204" pitchFamily="34" charset="0"/>
+                  <a:srgbClr val="252627"/>
+                </a:solidFill>
+                <a:latin typeface="Play" panose="00000500000000000000" pitchFamily="2" charset="0"/>
               </a:rPr>
               <a:t> </a:t>
             </a:r>
             <a:r>
               <a:rPr lang="en-NZ" sz="1200" b="1" dirty="0" err="1">
                 <a:solidFill>
-                  <a:srgbClr val="717C89"/>
-                </a:solidFill>
-                <a:latin typeface="Univers" panose="020B0503020202020204" pitchFamily="34" charset="0"/>
+                  <a:srgbClr val="252627"/>
+                </a:solidFill>
+                <a:latin typeface="Play" panose="00000500000000000000" pitchFamily="2" charset="0"/>
               </a:rPr>
               <a:t>rutrum</a:t>
             </a:r>
             <a:r>
               <a:rPr lang="en-NZ" sz="1200" b="1" dirty="0">
                 <a:solidFill>
-                  <a:srgbClr val="717C89"/>
-                </a:solidFill>
-                <a:latin typeface="Univers" panose="020B0503020202020204" pitchFamily="34" charset="0"/>
+                  <a:srgbClr val="252627"/>
+                </a:solidFill>
+                <a:latin typeface="Play" panose="00000500000000000000" pitchFamily="2" charset="0"/>
               </a:rPr>
               <a:t> </a:t>
             </a:r>
             <a:r>
               <a:rPr lang="en-NZ" sz="1200" b="1" dirty="0" err="1">
                 <a:solidFill>
-                  <a:srgbClr val="717C89"/>
-                </a:solidFill>
-                <a:latin typeface="Univers" panose="020B0503020202020204" pitchFamily="34" charset="0"/>
+                  <a:srgbClr val="252627"/>
+                </a:solidFill>
+                <a:latin typeface="Play" panose="00000500000000000000" pitchFamily="2" charset="0"/>
               </a:rPr>
               <a:t>nulla</a:t>
             </a:r>
             <a:r>
               <a:rPr lang="en-NZ" sz="1200" b="1" dirty="0">
                 <a:solidFill>
-                  <a:srgbClr val="717C89"/>
-                </a:solidFill>
-                <a:latin typeface="Univers" panose="020B0503020202020204" pitchFamily="34" charset="0"/>
+                  <a:srgbClr val="252627"/>
+                </a:solidFill>
+                <a:latin typeface="Play" panose="00000500000000000000" pitchFamily="2" charset="0"/>
               </a:rPr>
               <a:t> </a:t>
             </a:r>
             <a:r>
               <a:rPr lang="en-NZ" sz="1200" b="1" dirty="0" err="1">
                 <a:solidFill>
-                  <a:srgbClr val="717C89"/>
-                </a:solidFill>
-                <a:latin typeface="Univers" panose="020B0503020202020204" pitchFamily="34" charset="0"/>
+                  <a:srgbClr val="252627"/>
+                </a:solidFill>
+                <a:latin typeface="Play" panose="00000500000000000000" pitchFamily="2" charset="0"/>
               </a:rPr>
               <a:t>sed</a:t>
             </a:r>
             <a:r>
               <a:rPr lang="en-NZ" sz="1200" b="1" dirty="0">
                 <a:solidFill>
-                  <a:srgbClr val="717C89"/>
-                </a:solidFill>
-                <a:latin typeface="Univers" panose="020B0503020202020204" pitchFamily="34" charset="0"/>
+                  <a:srgbClr val="252627"/>
+                </a:solidFill>
+                <a:latin typeface="Play" panose="00000500000000000000" pitchFamily="2" charset="0"/>
               </a:rPr>
               <a:t> </a:t>
             </a:r>
             <a:r>
               <a:rPr lang="en-NZ" sz="1200" b="1" dirty="0" err="1">
                 <a:solidFill>
-                  <a:srgbClr val="717C89"/>
-                </a:solidFill>
-                <a:latin typeface="Univers" panose="020B0503020202020204" pitchFamily="34" charset="0"/>
+                  <a:srgbClr val="252627"/>
+                </a:solidFill>
+                <a:latin typeface="Play" panose="00000500000000000000" pitchFamily="2" charset="0"/>
               </a:rPr>
               <a:t>elit</a:t>
             </a:r>
             <a:r>
               <a:rPr lang="en-NZ" sz="1200" b="1" dirty="0">
                 <a:solidFill>
-                  <a:srgbClr val="717C89"/>
-                </a:solidFill>
-                <a:latin typeface="Univers" panose="020B0503020202020204" pitchFamily="34" charset="0"/>
+                  <a:srgbClr val="252627"/>
+                </a:solidFill>
+                <a:latin typeface="Play" panose="00000500000000000000" pitchFamily="2" charset="0"/>
               </a:rPr>
               <a:t> fermentum </a:t>
             </a:r>
             <a:r>
               <a:rPr lang="en-NZ" sz="1200" b="1" dirty="0" err="1">
                 <a:solidFill>
-                  <a:srgbClr val="717C89"/>
-                </a:solidFill>
-                <a:latin typeface="Univers" panose="020B0503020202020204" pitchFamily="34" charset="0"/>
+                  <a:srgbClr val="252627"/>
+                </a:solidFill>
+                <a:latin typeface="Play" panose="00000500000000000000" pitchFamily="2" charset="0"/>
               </a:rPr>
               <a:t>molestie</a:t>
             </a:r>
             <a:r>
               <a:rPr lang="en-NZ" sz="1200" b="1" dirty="0">
                 <a:solidFill>
-                  <a:srgbClr val="717C89"/>
-                </a:solidFill>
-                <a:latin typeface="Univers" panose="020B0503020202020204" pitchFamily="34" charset="0"/>
+                  <a:srgbClr val="252627"/>
+                </a:solidFill>
+                <a:latin typeface="Play" panose="00000500000000000000" pitchFamily="2" charset="0"/>
               </a:rPr>
               <a:t>. </a:t>
             </a:r>
             <a:r>
               <a:rPr lang="en-NZ" sz="1200" b="1" dirty="0" err="1">
                 <a:solidFill>
-                  <a:srgbClr val="717C89"/>
-                </a:solidFill>
-                <a:latin typeface="Univers" panose="020B0503020202020204" pitchFamily="34" charset="0"/>
+                  <a:srgbClr val="252627"/>
+                </a:solidFill>
+                <a:latin typeface="Play" panose="00000500000000000000" pitchFamily="2" charset="0"/>
               </a:rPr>
               <a:t>Mauris</a:t>
             </a:r>
             <a:r>
               <a:rPr lang="en-NZ" sz="1200" b="1" dirty="0">
                 <a:solidFill>
-                  <a:srgbClr val="717C89"/>
-                </a:solidFill>
-                <a:latin typeface="Univers" panose="020B0503020202020204" pitchFamily="34" charset="0"/>
+                  <a:srgbClr val="252627"/>
+                </a:solidFill>
+                <a:latin typeface="Play" panose="00000500000000000000" pitchFamily="2" charset="0"/>
               </a:rPr>
               <a:t> </a:t>
             </a:r>
             <a:r>
               <a:rPr lang="en-NZ" sz="1200" b="1" dirty="0" err="1">
                 <a:solidFill>
-                  <a:srgbClr val="717C89"/>
-                </a:solidFill>
-                <a:latin typeface="Univers" panose="020B0503020202020204" pitchFamily="34" charset="0"/>
+                  <a:srgbClr val="252627"/>
+                </a:solidFill>
+                <a:latin typeface="Play" panose="00000500000000000000" pitchFamily="2" charset="0"/>
               </a:rPr>
               <a:t>tristique</a:t>
             </a:r>
             <a:r>
               <a:rPr lang="en-NZ" sz="1200" b="1" dirty="0">
                 <a:solidFill>
-                  <a:srgbClr val="717C89"/>
-                </a:solidFill>
-                <a:latin typeface="Univers" panose="020B0503020202020204" pitchFamily="34" charset="0"/>
+                  <a:srgbClr val="252627"/>
+                </a:solidFill>
+                <a:latin typeface="Play" panose="00000500000000000000" pitchFamily="2" charset="0"/>
               </a:rPr>
               <a:t> </a:t>
             </a:r>
             <a:r>
               <a:rPr lang="en-NZ" sz="1200" b="1" dirty="0" err="1">
                 <a:solidFill>
-                  <a:srgbClr val="717C89"/>
-                </a:solidFill>
-                <a:latin typeface="Univers" panose="020B0503020202020204" pitchFamily="34" charset="0"/>
+                  <a:srgbClr val="252627"/>
+                </a:solidFill>
+                <a:latin typeface="Play" panose="00000500000000000000" pitchFamily="2" charset="0"/>
               </a:rPr>
               <a:t>porttitor</a:t>
             </a:r>
             <a:r>
               <a:rPr lang="en-NZ" sz="1200" b="1" dirty="0">
                 <a:solidFill>
-                  <a:srgbClr val="717C89"/>
-                </a:solidFill>
-                <a:latin typeface="Univers" panose="020B0503020202020204" pitchFamily="34" charset="0"/>
+                  <a:srgbClr val="252627"/>
+                </a:solidFill>
+                <a:latin typeface="Play" panose="00000500000000000000" pitchFamily="2" charset="0"/>
               </a:rPr>
               <a:t> </a:t>
             </a:r>
             <a:r>
               <a:rPr lang="en-NZ" sz="1200" b="1" dirty="0" err="1">
                 <a:solidFill>
-                  <a:srgbClr val="717C89"/>
-                </a:solidFill>
-                <a:latin typeface="Univers" panose="020B0503020202020204" pitchFamily="34" charset="0"/>
+                  <a:srgbClr val="252627"/>
+                </a:solidFill>
+                <a:latin typeface="Play" panose="00000500000000000000" pitchFamily="2" charset="0"/>
               </a:rPr>
               <a:t>ultrices</a:t>
             </a:r>
             <a:r>
               <a:rPr lang="en-NZ" sz="1200" b="1" dirty="0">
                 <a:solidFill>
-                  <a:srgbClr val="717C89"/>
-                </a:solidFill>
-                <a:latin typeface="Univers" panose="020B0503020202020204" pitchFamily="34" charset="0"/>
+                  <a:srgbClr val="252627"/>
+                </a:solidFill>
+                <a:latin typeface="Play" panose="00000500000000000000" pitchFamily="2" charset="0"/>
               </a:rPr>
               <a:t>.</a:t>
             </a:r>
@@ -5009,18 +4299,18 @@
               <a:t>Font: </a:t>
             </a:r>
             <a:r>
-              <a:rPr lang="en-NZ" sz="1400" dirty="0" err="1">
-                <a:latin typeface="Univers" panose="020B0604020202020204" pitchFamily="34" charset="0"/>
+              <a:rPr lang="en-NZ" sz="1400" dirty="0">
+                <a:latin typeface="Univers" panose="020B0503020202020204" pitchFamily="34" charset="0"/>
                 <a:cs typeface="Aharoni" panose="02010803020104030203" pitchFamily="2" charset="-79"/>
               </a:rPr>
-              <a:t>Univers</a:t>
+              <a:t>Play Bold</a:t>
             </a:r>
             <a:r>
               <a:rPr lang="en-NZ" sz="1400" dirty="0">
                 <a:latin typeface="Univers" panose="020B0604020202020204" pitchFamily="34" charset="0"/>
                 <a:cs typeface="Aharoni" panose="02010803020104030203" pitchFamily="2" charset="-79"/>
               </a:rPr>
-              <a:t> Bold, #a1e5ab 32px</a:t>
+              <a:t>, #252627 32px</a:t>
             </a:r>
           </a:p>
         </p:txBody>
@@ -5039,7 +4329,7 @@
         </p:nvSpPr>
         <p:spPr>
           <a:xfrm>
-            <a:off x="4714928" y="4674993"/>
+            <a:off x="4714928" y="4586308"/>
             <a:ext cx="3037840" cy="307777"/>
           </a:xfrm>
           <a:prstGeom prst="rect">
@@ -5058,31 +4348,108 @@
                 <a:latin typeface="Univers" panose="020B0604020202020204" pitchFamily="34" charset="0"/>
                 <a:cs typeface="Aharoni" panose="02010803020104030203" pitchFamily="2" charset="-79"/>
               </a:rPr>
-              <a:t>Font: </a:t>
-            </a:r>
-            <a:r>
-              <a:rPr lang="en-NZ" sz="1400" dirty="0" err="1">
-                <a:latin typeface="Univers" panose="020B0604020202020204" pitchFamily="34" charset="0"/>
-                <a:cs typeface="Aharoni" panose="02010803020104030203" pitchFamily="2" charset="-79"/>
-              </a:rPr>
-              <a:t>Univers</a:t>
-            </a:r>
-            <a:r>
-              <a:rPr lang="en-NZ" sz="1400" dirty="0">
-                <a:latin typeface="Univers" panose="020B0604020202020204" pitchFamily="34" charset="0"/>
-                <a:cs typeface="Aharoni" panose="02010803020104030203" pitchFamily="2" charset="-79"/>
-              </a:rPr>
-              <a:t>, #717C89 12px</a:t>
-            </a:r>
-          </a:p>
-        </p:txBody>
-      </p:sp>
-      <p:sp>
-        <p:nvSpPr>
-          <p:cNvPr id="23" name="TextBox 22">
+              <a:t>Font: Play, #252627 12px</a:t>
+            </a:r>
+          </a:p>
+        </p:txBody>
+      </p:sp>
+      <p:pic>
+        <p:nvPicPr>
+          <p:cNvPr id="3" name="Graphic 2">
             <a:extLst>
               <a:ext uri="{FF2B5EF4-FFF2-40B4-BE49-F238E27FC236}">
-                <a16:creationId xmlns:a16="http://schemas.microsoft.com/office/drawing/2014/main" id="{CB2A39C8-D59C-41AB-93CD-FC803CD8E030}"/>
+                <a16:creationId xmlns:a16="http://schemas.microsoft.com/office/drawing/2014/main" id="{05ED58FF-135B-4643-A1C1-D6ABD84664B9}"/>
+              </a:ext>
+            </a:extLst>
+          </p:cNvPr>
+          <p:cNvPicPr>
+            <a:picLocks noChangeAspect="1"/>
+          </p:cNvPicPr>
+          <p:nvPr/>
+        </p:nvPicPr>
+        <p:blipFill>
+          <a:blip r:embed="rId2">
+            <a:extLst>
+              <a:ext uri="{28A0092B-C50C-407E-A947-70E740481C1C}">
+                <a14:useLocalDpi xmlns:a14="http://schemas.microsoft.com/office/drawing/2010/main" val="0"/>
+              </a:ext>
+              <a:ext uri="{96DAC541-7B7A-43D3-8B79-37D633B846F1}">
+                <asvg:svgBlip xmlns:asvg="http://schemas.microsoft.com/office/drawing/2016/SVG/main" r:embed="rId3"/>
+              </a:ext>
+            </a:extLst>
+          </a:blip>
+          <a:stretch>
+            <a:fillRect/>
+          </a:stretch>
+        </p:blipFill>
+        <p:spPr>
+          <a:xfrm>
+            <a:off x="-98066" y="493249"/>
+            <a:ext cx="4986975" cy="3740232"/>
+          </a:xfrm>
+          <a:prstGeom prst="rect">
+            <a:avLst/>
+          </a:prstGeom>
+        </p:spPr>
+      </p:pic>
+      <p:sp>
+        <p:nvSpPr>
+          <p:cNvPr id="5" name="Rectangle 4">
+            <a:extLst>
+              <a:ext uri="{FF2B5EF4-FFF2-40B4-BE49-F238E27FC236}">
+                <a16:creationId xmlns:a16="http://schemas.microsoft.com/office/drawing/2014/main" id="{D7EB5E0C-C23B-4B06-AEE1-D72FB0A5D6B7}"/>
+              </a:ext>
+            </a:extLst>
+          </p:cNvPr>
+          <p:cNvSpPr/>
+          <p:nvPr/>
+        </p:nvSpPr>
+        <p:spPr>
+          <a:xfrm>
+            <a:off x="9701903" y="854630"/>
+            <a:ext cx="5051474" cy="1819122"/>
+          </a:xfrm>
+          <a:prstGeom prst="rect">
+            <a:avLst/>
+          </a:prstGeom>
+          <a:solidFill>
+            <a:srgbClr val="56C9A5"/>
+          </a:solidFill>
+          <a:ln>
+            <a:noFill/>
+          </a:ln>
+        </p:spPr>
+        <p:style>
+          <a:lnRef idx="2">
+            <a:schemeClr val="accent1">
+              <a:shade val="50000"/>
+            </a:schemeClr>
+          </a:lnRef>
+          <a:fillRef idx="1">
+            <a:schemeClr val="accent1"/>
+          </a:fillRef>
+          <a:effectRef idx="0">
+            <a:schemeClr val="accent1"/>
+          </a:effectRef>
+          <a:fontRef idx="minor">
+            <a:schemeClr val="lt1"/>
+          </a:fontRef>
+        </p:style>
+        <p:txBody>
+          <a:bodyPr rtlCol="0" anchor="ctr"/>
+          <a:lstStyle/>
+          <a:p>
+            <a:pPr algn="ctr"/>
+            <a:endParaRPr lang="en-NZ"/>
+          </a:p>
+        </p:txBody>
+      </p:sp>
+      <p:sp>
+        <p:nvSpPr>
+          <p:cNvPr id="6" name="TextBox 5">
+            <a:extLst>
+              <a:ext uri="{FF2B5EF4-FFF2-40B4-BE49-F238E27FC236}">
+                <a16:creationId xmlns:a16="http://schemas.microsoft.com/office/drawing/2014/main" id="{F24B3F61-EDE6-479A-99D4-6F49D825A63D}"/>
               </a:ext>
             </a:extLst>
           </p:cNvPr>
@@ -5091,8 +4458,8 @@
         </p:nvSpPr>
         <p:spPr>
           <a:xfrm>
-            <a:off x="10586720" y="3729994"/>
-            <a:ext cx="772160" cy="276999"/>
+            <a:off x="9740282" y="1162408"/>
+            <a:ext cx="2627452" cy="1200329"/>
           </a:xfrm>
           <a:prstGeom prst="rect">
             <a:avLst/>
@@ -5106,18 +4473,32 @@
           <a:lstStyle/>
           <a:p>
             <a:r>
-              <a:rPr lang="en-NZ" sz="1200" dirty="0"/>
-              <a:t>#5C776F</a:t>
-            </a:r>
-          </a:p>
-        </p:txBody>
-      </p:sp>
-      <p:sp>
-        <p:nvSpPr>
-          <p:cNvPr id="34" name="TextBox 33">
+              <a:rPr lang="en-NZ" sz="2400" dirty="0">
+                <a:solidFill>
+                  <a:schemeClr val="bg1"/>
+                </a:solidFill>
+              </a:rPr>
+              <a:t>Button	</a:t>
+            </a:r>
+          </a:p>
+          <a:p>
+            <a:r>
+              <a:rPr lang="en-NZ" sz="2400" dirty="0">
+                <a:solidFill>
+                  <a:schemeClr val="bg1"/>
+                </a:solidFill>
+              </a:rPr>
+              <a:t>When not hovering over</a:t>
+            </a:r>
+          </a:p>
+        </p:txBody>
+      </p:sp>
+      <p:sp>
+        <p:nvSpPr>
+          <p:cNvPr id="33" name="TextBox 32">
             <a:extLst>
               <a:ext uri="{FF2B5EF4-FFF2-40B4-BE49-F238E27FC236}">
-                <a16:creationId xmlns:a16="http://schemas.microsoft.com/office/drawing/2014/main" id="{AE8364D9-5598-4E5E-AE16-B8EA817BBD04}"/>
+                <a16:creationId xmlns:a16="http://schemas.microsoft.com/office/drawing/2014/main" id="{57CBB808-BEF1-4E88-A4B7-F1D806A43FCD}"/>
               </a:ext>
             </a:extLst>
           </p:cNvPr>
@@ -5126,8 +4507,8 @@
         </p:nvSpPr>
         <p:spPr>
           <a:xfrm>
-            <a:off x="10586720" y="2551335"/>
-            <a:ext cx="772160" cy="276999"/>
+            <a:off x="12367734" y="1150843"/>
+            <a:ext cx="2135343" cy="1200329"/>
           </a:xfrm>
           <a:prstGeom prst="rect">
             <a:avLst/>
@@ -5141,43 +4522,83 @@
           <a:lstStyle/>
           <a:p>
             <a:r>
-              <a:rPr lang="en-NZ" sz="1200" dirty="0"/>
-              <a:t>#76998E</a:t>
-            </a:r>
-          </a:p>
-        </p:txBody>
-      </p:sp>
-      <p:sp>
-        <p:nvSpPr>
-          <p:cNvPr id="35" name="TextBox 34">
+              <a:rPr lang="en-NZ" sz="2400" dirty="0">
+                <a:solidFill>
+                  <a:srgbClr val="B9E3C6"/>
+                </a:solidFill>
+              </a:rPr>
+              <a:t>Button</a:t>
+            </a:r>
+          </a:p>
+          <a:p>
+            <a:r>
+              <a:rPr lang="en-NZ" sz="2400" dirty="0">
+                <a:solidFill>
+                  <a:srgbClr val="B9E3C6"/>
+                </a:solidFill>
+              </a:rPr>
+              <a:t>When hovering over</a:t>
+            </a:r>
+          </a:p>
+        </p:txBody>
+      </p:sp>
+      <p:sp>
+        <p:nvSpPr>
+          <p:cNvPr id="2" name="Rectangle 1">
             <a:extLst>
               <a:ext uri="{FF2B5EF4-FFF2-40B4-BE49-F238E27FC236}">
-                <a16:creationId xmlns:a16="http://schemas.microsoft.com/office/drawing/2014/main" id="{3199D647-9EE5-43AD-AC89-83FED03B41E3}"/>
+                <a16:creationId xmlns:a16="http://schemas.microsoft.com/office/drawing/2014/main" id="{A904FC0A-F6E2-4CC8-8EB9-2860AE3F51F9}"/>
               </a:ext>
             </a:extLst>
           </p:cNvPr>
-          <p:cNvSpPr txBox="1"/>
+          <p:cNvSpPr/>
           <p:nvPr/>
         </p:nvSpPr>
         <p:spPr>
           <a:xfrm>
-            <a:off x="10586720" y="1442633"/>
-            <a:ext cx="772160" cy="276999"/>
+            <a:off x="171436" y="4490327"/>
+            <a:ext cx="2517033" cy="2374930"/>
           </a:xfrm>
           <a:prstGeom prst="rect">
             <a:avLst/>
           </a:prstGeom>
-          <a:noFill/>
+          <a:ln w="76200">
+            <a:solidFill>
+              <a:srgbClr val="23395B"/>
+            </a:solidFill>
+          </a:ln>
         </p:spPr>
-        <p:txBody>
-          <a:bodyPr wrap="square" rtlCol="0">
-            <a:spAutoFit/>
-          </a:bodyPr>
-          <a:lstStyle/>
-          <a:p>
-            <a:r>
-              <a:rPr lang="en-NZ" sz="1200" dirty="0"/>
-              <a:t>#90BAAD</a:t>
+        <p:style>
+          <a:lnRef idx="2">
+            <a:schemeClr val="accent1">
+              <a:shade val="50000"/>
+            </a:schemeClr>
+          </a:lnRef>
+          <a:fillRef idx="1">
+            <a:schemeClr val="accent1"/>
+          </a:fillRef>
+          <a:effectRef idx="0">
+            <a:schemeClr val="accent1"/>
+          </a:effectRef>
+          <a:fontRef idx="minor">
+            <a:schemeClr val="lt1"/>
+          </a:fontRef>
+        </p:style>
+        <p:txBody>
+          <a:bodyPr rtlCol="0" anchor="ctr"/>
+          <a:lstStyle/>
+          <a:p>
+            <a:pPr algn="ctr"/>
+            <a:r>
+              <a:rPr lang="en-NZ" sz="2800" dirty="0"/>
+              <a:t>Image</a:t>
+            </a:r>
+          </a:p>
+          <a:p>
+            <a:pPr algn="ctr"/>
+            <a:r>
+              <a:rPr lang="en-NZ" sz="2800" dirty="0"/>
+              <a:t>With Border 3px</a:t>
             </a:r>
           </a:p>
         </p:txBody>
